--- a/Zombie Shooter Game.pptx
+++ b/Zombie Shooter Game.pptx
@@ -5,28 +5,31 @@
     <p:sldMasterId id="2147483659" r:id="rId1"/>
   </p:sldMasterIdLst>
   <p:notesMasterIdLst>
-    <p:notesMasterId r:id="rId11"/>
+    <p:notesMasterId r:id="rId14"/>
   </p:notesMasterIdLst>
   <p:sldIdLst>
     <p:sldId id="256" r:id="rId2"/>
-    <p:sldId id="257" r:id="rId3"/>
-    <p:sldId id="258" r:id="rId4"/>
-    <p:sldId id="259" r:id="rId5"/>
-    <p:sldId id="260" r:id="rId6"/>
-    <p:sldId id="261" r:id="rId7"/>
-    <p:sldId id="262" r:id="rId8"/>
-    <p:sldId id="263" r:id="rId9"/>
-    <p:sldId id="264" r:id="rId10"/>
+    <p:sldId id="259" r:id="rId3"/>
+    <p:sldId id="257" r:id="rId4"/>
+    <p:sldId id="258" r:id="rId5"/>
+    <p:sldId id="264" r:id="rId6"/>
+    <p:sldId id="265" r:id="rId7"/>
+    <p:sldId id="269" r:id="rId8"/>
+    <p:sldId id="266" r:id="rId9"/>
+    <p:sldId id="267" r:id="rId10"/>
+    <p:sldId id="268" r:id="rId11"/>
+    <p:sldId id="260" r:id="rId12"/>
+    <p:sldId id="263" r:id="rId13"/>
   </p:sldIdLst>
   <p:sldSz cx="9144000" cy="5143500" type="screen16x9"/>
   <p:notesSz cx="6858000" cy="9144000"/>
   <p:embeddedFontLst>
     <p:embeddedFont>
-      <p:font typeface="Roboto" panose="02000000000000000000" pitchFamily="2" charset="0"/>
-      <p:regular r:id="rId12"/>
-      <p:bold r:id="rId13"/>
-      <p:italic r:id="rId14"/>
-      <p:boldItalic r:id="rId15"/>
+      <p:font typeface="Roboto" panose="020B0604020202020204" charset="0"/>
+      <p:regular r:id="rId15"/>
+      <p:bold r:id="rId16"/>
+      <p:italic r:id="rId17"/>
+      <p:boldItalic r:id="rId18"/>
     </p:embeddedFont>
   </p:embeddedFontLst>
   <p:defaultTextStyle>
@@ -747,8 +750,8 @@
         </p:nvSpPr>
         <p:spPr>
           <a:xfrm>
-            <a:off x="381300" y="685800"/>
-            <a:ext cx="6096075" cy="3429000"/>
+            <a:off x="381000" y="685800"/>
+            <a:ext cx="6096000" cy="3429000"/>
           </a:xfrm>
           <a:custGeom>
             <a:avLst/>
@@ -823,6 +826,110 @@
 </file>
 
 <file path=ppt/notesSlides/notesSlide2.xml><?xml version="1.0" encoding="utf-8"?>
+<p:notes xmlns:a="http://schemas.openxmlformats.org/drawingml/2006/main" xmlns:r="http://schemas.openxmlformats.org/officeDocument/2006/relationships" xmlns:p="http://schemas.openxmlformats.org/presentationml/2006/main" showMasterSp="0" showMasterPhAnim="0">
+  <p:cSld>
+    <p:spTree>
+      <p:nvGrpSpPr>
+        <p:cNvPr id="1" name="Shape 99"/>
+        <p:cNvGrpSpPr/>
+        <p:nvPr/>
+      </p:nvGrpSpPr>
+      <p:grpSpPr>
+        <a:xfrm>
+          <a:off x="0" y="0"/>
+          <a:ext cx="0" cy="0"/>
+          <a:chOff x="0" y="0"/>
+          <a:chExt cx="0" cy="0"/>
+        </a:xfrm>
+      </p:grpSpPr>
+      <p:sp>
+        <p:nvSpPr>
+          <p:cNvPr id="100" name="Google Shape;100;g6b7d7d857e_0_256:notes"/>
+          <p:cNvSpPr>
+            <a:spLocks noGrp="1" noRot="1" noChangeAspect="1"/>
+          </p:cNvSpPr>
+          <p:nvPr>
+            <p:ph type="sldImg" idx="2"/>
+          </p:nvPr>
+        </p:nvSpPr>
+        <p:spPr>
+          <a:xfrm>
+            <a:off x="381000" y="685800"/>
+            <a:ext cx="6096000" cy="3429000"/>
+          </a:xfrm>
+          <a:custGeom>
+            <a:avLst/>
+            <a:gdLst/>
+            <a:ahLst/>
+            <a:cxnLst/>
+            <a:rect l="l" t="t" r="r" b="b"/>
+            <a:pathLst>
+              <a:path w="120000" h="120000" extrusionOk="0">
+                <a:moveTo>
+                  <a:pt x="0" y="0"/>
+                </a:moveTo>
+                <a:lnTo>
+                  <a:pt x="120000" y="0"/>
+                </a:lnTo>
+                <a:lnTo>
+                  <a:pt x="120000" y="120000"/>
+                </a:lnTo>
+                <a:lnTo>
+                  <a:pt x="0" y="120000"/>
+                </a:lnTo>
+                <a:close/>
+              </a:path>
+            </a:pathLst>
+          </a:custGeom>
+        </p:spPr>
+      </p:sp>
+      <p:sp>
+        <p:nvSpPr>
+          <p:cNvPr id="101" name="Google Shape;101;g6b7d7d857e_0_256:notes"/>
+          <p:cNvSpPr txBox="1">
+            <a:spLocks noGrp="1"/>
+          </p:cNvSpPr>
+          <p:nvPr>
+            <p:ph type="body" idx="1"/>
+          </p:nvPr>
+        </p:nvSpPr>
+        <p:spPr>
+          <a:xfrm>
+            <a:off x="685800" y="4343400"/>
+            <a:ext cx="5486400" cy="4114800"/>
+          </a:xfrm>
+          <a:prstGeom prst="rect">
+            <a:avLst/>
+          </a:prstGeom>
+        </p:spPr>
+        <p:txBody>
+          <a:bodyPr spcFirstLastPara="1" wrap="square" lIns="91425" tIns="91425" rIns="91425" bIns="91425" anchor="t" anchorCtr="0">
+            <a:noAutofit/>
+          </a:bodyPr>
+          <a:lstStyle/>
+          <a:p>
+            <a:pPr marL="0" lvl="0" indent="0" algn="l" rtl="0">
+              <a:spcBef>
+                <a:spcPts val="0"/>
+              </a:spcBef>
+              <a:spcAft>
+                <a:spcPts val="0"/>
+              </a:spcAft>
+              <a:buNone/>
+            </a:pPr>
+            <a:endParaRPr/>
+          </a:p>
+        </p:txBody>
+      </p:sp>
+    </p:spTree>
+  </p:cSld>
+  <p:clrMapOvr>
+    <a:masterClrMapping/>
+  </p:clrMapOvr>
+</p:notes>
+</file>
+
+<file path=ppt/notesSlides/notesSlide3.xml><?xml version="1.0" encoding="utf-8"?>
 <p:notes xmlns:a="http://schemas.openxmlformats.org/drawingml/2006/main" xmlns:r="http://schemas.openxmlformats.org/officeDocument/2006/relationships" xmlns:p="http://schemas.openxmlformats.org/presentationml/2006/main" showMasterSp="0" showMasterPhAnim="0">
   <p:cSld>
     <p:spTree>
@@ -926,7 +1033,7 @@
 </p:notes>
 </file>
 
-<file path=ppt/notesSlides/notesSlide3.xml><?xml version="1.0" encoding="utf-8"?>
+<file path=ppt/notesSlides/notesSlide4.xml><?xml version="1.0" encoding="utf-8"?>
 <p:notes xmlns:a="http://schemas.openxmlformats.org/drawingml/2006/main" xmlns:r="http://schemas.openxmlformats.org/officeDocument/2006/relationships" xmlns:p="http://schemas.openxmlformats.org/presentationml/2006/main" showMasterSp="0" showMasterPhAnim="0">
   <p:cSld>
     <p:spTree>
@@ -946,110 +1053,6 @@
       <p:sp>
         <p:nvSpPr>
           <p:cNvPr id="94" name="Google Shape;94;g6b7d7d857e_0_291:notes"/>
-          <p:cNvSpPr>
-            <a:spLocks noGrp="1" noRot="1" noChangeAspect="1"/>
-          </p:cNvSpPr>
-          <p:nvPr>
-            <p:ph type="sldImg" idx="2"/>
-          </p:nvPr>
-        </p:nvSpPr>
-        <p:spPr>
-          <a:xfrm>
-            <a:off x="381300" y="685800"/>
-            <a:ext cx="6096000" cy="3429000"/>
-          </a:xfrm>
-          <a:custGeom>
-            <a:avLst/>
-            <a:gdLst/>
-            <a:ahLst/>
-            <a:cxnLst/>
-            <a:rect l="l" t="t" r="r" b="b"/>
-            <a:pathLst>
-              <a:path w="120000" h="120000" extrusionOk="0">
-                <a:moveTo>
-                  <a:pt x="0" y="0"/>
-                </a:moveTo>
-                <a:lnTo>
-                  <a:pt x="120000" y="0"/>
-                </a:lnTo>
-                <a:lnTo>
-                  <a:pt x="120000" y="120000"/>
-                </a:lnTo>
-                <a:lnTo>
-                  <a:pt x="0" y="120000"/>
-                </a:lnTo>
-                <a:close/>
-              </a:path>
-            </a:pathLst>
-          </a:custGeom>
-        </p:spPr>
-      </p:sp>
-      <p:sp>
-        <p:nvSpPr>
-          <p:cNvPr id="95" name="Google Shape;95;g6b7d7d857e_0_291:notes"/>
-          <p:cNvSpPr txBox="1">
-            <a:spLocks noGrp="1"/>
-          </p:cNvSpPr>
-          <p:nvPr>
-            <p:ph type="body" idx="1"/>
-          </p:nvPr>
-        </p:nvSpPr>
-        <p:spPr>
-          <a:xfrm>
-            <a:off x="685800" y="4343400"/>
-            <a:ext cx="5486400" cy="4114800"/>
-          </a:xfrm>
-          <a:prstGeom prst="rect">
-            <a:avLst/>
-          </a:prstGeom>
-        </p:spPr>
-        <p:txBody>
-          <a:bodyPr spcFirstLastPara="1" wrap="square" lIns="91425" tIns="91425" rIns="91425" bIns="91425" anchor="t" anchorCtr="0">
-            <a:noAutofit/>
-          </a:bodyPr>
-          <a:lstStyle/>
-          <a:p>
-            <a:pPr marL="0" lvl="0" indent="0" algn="l" rtl="0">
-              <a:spcBef>
-                <a:spcPts val="0"/>
-              </a:spcBef>
-              <a:spcAft>
-                <a:spcPts val="0"/>
-              </a:spcAft>
-              <a:buNone/>
-            </a:pPr>
-            <a:endParaRPr/>
-          </a:p>
-        </p:txBody>
-      </p:sp>
-    </p:spTree>
-  </p:cSld>
-  <p:clrMapOvr>
-    <a:masterClrMapping/>
-  </p:clrMapOvr>
-</p:notes>
-</file>
-
-<file path=ppt/notesSlides/notesSlide4.xml><?xml version="1.0" encoding="utf-8"?>
-<p:notes xmlns:a="http://schemas.openxmlformats.org/drawingml/2006/main" xmlns:r="http://schemas.openxmlformats.org/officeDocument/2006/relationships" xmlns:p="http://schemas.openxmlformats.org/presentationml/2006/main" showMasterSp="0" showMasterPhAnim="0">
-  <p:cSld>
-    <p:spTree>
-      <p:nvGrpSpPr>
-        <p:cNvPr id="1" name="Shape 99"/>
-        <p:cNvGrpSpPr/>
-        <p:nvPr/>
-      </p:nvGrpSpPr>
-      <p:grpSpPr>
-        <a:xfrm>
-          <a:off x="0" y="0"/>
-          <a:ext cx="0" cy="0"/>
-          <a:chOff x="0" y="0"/>
-          <a:chExt cx="0" cy="0"/>
-        </a:xfrm>
-      </p:grpSpPr>
-      <p:sp>
-        <p:nvSpPr>
-          <p:cNvPr id="100" name="Google Shape;100;g6b7d7d857e_0_256:notes"/>
           <p:cNvSpPr>
             <a:spLocks noGrp="1" noRot="1" noChangeAspect="1"/>
           </p:cNvSpPr>
@@ -1090,7 +1093,7 @@
       </p:sp>
       <p:sp>
         <p:nvSpPr>
-          <p:cNvPr id="101" name="Google Shape;101;g6b7d7d857e_0_256:notes"/>
+          <p:cNvPr id="95" name="Google Shape;95;g6b7d7d857e_0_291:notes"/>
           <p:cNvSpPr txBox="1">
             <a:spLocks noGrp="1"/>
           </p:cNvSpPr>
@@ -1239,214 +1242,6 @@
 </file>
 
 <file path=ppt/notesSlides/notesSlide6.xml><?xml version="1.0" encoding="utf-8"?>
-<p:notes xmlns:a="http://schemas.openxmlformats.org/drawingml/2006/main" xmlns:r="http://schemas.openxmlformats.org/officeDocument/2006/relationships" xmlns:p="http://schemas.openxmlformats.org/presentationml/2006/main" showMasterSp="0" showMasterPhAnim="0">
-  <p:cSld>
-    <p:spTree>
-      <p:nvGrpSpPr>
-        <p:cNvPr id="1" name="Shape 111"/>
-        <p:cNvGrpSpPr/>
-        <p:nvPr/>
-      </p:nvGrpSpPr>
-      <p:grpSpPr>
-        <a:xfrm>
-          <a:off x="0" y="0"/>
-          <a:ext cx="0" cy="0"/>
-          <a:chOff x="0" y="0"/>
-          <a:chExt cx="0" cy="0"/>
-        </a:xfrm>
-      </p:grpSpPr>
-      <p:sp>
-        <p:nvSpPr>
-          <p:cNvPr id="112" name="Google Shape;112;g6b7d7d857e_0_271:notes"/>
-          <p:cNvSpPr>
-            <a:spLocks noGrp="1" noRot="1" noChangeAspect="1"/>
-          </p:cNvSpPr>
-          <p:nvPr>
-            <p:ph type="sldImg" idx="2"/>
-          </p:nvPr>
-        </p:nvSpPr>
-        <p:spPr>
-          <a:xfrm>
-            <a:off x="381300" y="685800"/>
-            <a:ext cx="6096000" cy="3429000"/>
-          </a:xfrm>
-          <a:custGeom>
-            <a:avLst/>
-            <a:gdLst/>
-            <a:ahLst/>
-            <a:cxnLst/>
-            <a:rect l="l" t="t" r="r" b="b"/>
-            <a:pathLst>
-              <a:path w="120000" h="120000" extrusionOk="0">
-                <a:moveTo>
-                  <a:pt x="0" y="0"/>
-                </a:moveTo>
-                <a:lnTo>
-                  <a:pt x="120000" y="0"/>
-                </a:lnTo>
-                <a:lnTo>
-                  <a:pt x="120000" y="120000"/>
-                </a:lnTo>
-                <a:lnTo>
-                  <a:pt x="0" y="120000"/>
-                </a:lnTo>
-                <a:close/>
-              </a:path>
-            </a:pathLst>
-          </a:custGeom>
-        </p:spPr>
-      </p:sp>
-      <p:sp>
-        <p:nvSpPr>
-          <p:cNvPr id="113" name="Google Shape;113;g6b7d7d857e_0_271:notes"/>
-          <p:cNvSpPr txBox="1">
-            <a:spLocks noGrp="1"/>
-          </p:cNvSpPr>
-          <p:nvPr>
-            <p:ph type="body" idx="1"/>
-          </p:nvPr>
-        </p:nvSpPr>
-        <p:spPr>
-          <a:xfrm>
-            <a:off x="685800" y="4343400"/>
-            <a:ext cx="5486400" cy="4114800"/>
-          </a:xfrm>
-          <a:prstGeom prst="rect">
-            <a:avLst/>
-          </a:prstGeom>
-        </p:spPr>
-        <p:txBody>
-          <a:bodyPr spcFirstLastPara="1" wrap="square" lIns="91425" tIns="91425" rIns="91425" bIns="91425" anchor="t" anchorCtr="0">
-            <a:noAutofit/>
-          </a:bodyPr>
-          <a:lstStyle/>
-          <a:p>
-            <a:pPr marL="0" lvl="0" indent="0" algn="l" rtl="0">
-              <a:spcBef>
-                <a:spcPts val="0"/>
-              </a:spcBef>
-              <a:spcAft>
-                <a:spcPts val="0"/>
-              </a:spcAft>
-              <a:buNone/>
-            </a:pPr>
-            <a:endParaRPr/>
-          </a:p>
-        </p:txBody>
-      </p:sp>
-    </p:spTree>
-  </p:cSld>
-  <p:clrMapOvr>
-    <a:masterClrMapping/>
-  </p:clrMapOvr>
-</p:notes>
-</file>
-
-<file path=ppt/notesSlides/notesSlide7.xml><?xml version="1.0" encoding="utf-8"?>
-<p:notes xmlns:a="http://schemas.openxmlformats.org/drawingml/2006/main" xmlns:r="http://schemas.openxmlformats.org/officeDocument/2006/relationships" xmlns:p="http://schemas.openxmlformats.org/presentationml/2006/main" showMasterSp="0" showMasterPhAnim="0">
-  <p:cSld>
-    <p:spTree>
-      <p:nvGrpSpPr>
-        <p:cNvPr id="1" name="Shape 117"/>
-        <p:cNvGrpSpPr/>
-        <p:nvPr/>
-      </p:nvGrpSpPr>
-      <p:grpSpPr>
-        <a:xfrm>
-          <a:off x="0" y="0"/>
-          <a:ext cx="0" cy="0"/>
-          <a:chOff x="0" y="0"/>
-          <a:chExt cx="0" cy="0"/>
-        </a:xfrm>
-      </p:grpSpPr>
-      <p:sp>
-        <p:nvSpPr>
-          <p:cNvPr id="118" name="Google Shape;118;g6b7d7d857e_0_276:notes"/>
-          <p:cNvSpPr>
-            <a:spLocks noGrp="1" noRot="1" noChangeAspect="1"/>
-          </p:cNvSpPr>
-          <p:nvPr>
-            <p:ph type="sldImg" idx="2"/>
-          </p:nvPr>
-        </p:nvSpPr>
-        <p:spPr>
-          <a:xfrm>
-            <a:off x="381300" y="685800"/>
-            <a:ext cx="6096000" cy="3429000"/>
-          </a:xfrm>
-          <a:custGeom>
-            <a:avLst/>
-            <a:gdLst/>
-            <a:ahLst/>
-            <a:cxnLst/>
-            <a:rect l="l" t="t" r="r" b="b"/>
-            <a:pathLst>
-              <a:path w="120000" h="120000" extrusionOk="0">
-                <a:moveTo>
-                  <a:pt x="0" y="0"/>
-                </a:moveTo>
-                <a:lnTo>
-                  <a:pt x="120000" y="0"/>
-                </a:lnTo>
-                <a:lnTo>
-                  <a:pt x="120000" y="120000"/>
-                </a:lnTo>
-                <a:lnTo>
-                  <a:pt x="0" y="120000"/>
-                </a:lnTo>
-                <a:close/>
-              </a:path>
-            </a:pathLst>
-          </a:custGeom>
-        </p:spPr>
-      </p:sp>
-      <p:sp>
-        <p:nvSpPr>
-          <p:cNvPr id="119" name="Google Shape;119;g6b7d7d857e_0_276:notes"/>
-          <p:cNvSpPr txBox="1">
-            <a:spLocks noGrp="1"/>
-          </p:cNvSpPr>
-          <p:nvPr>
-            <p:ph type="body" idx="1"/>
-          </p:nvPr>
-        </p:nvSpPr>
-        <p:spPr>
-          <a:xfrm>
-            <a:off x="685800" y="4343400"/>
-            <a:ext cx="5486400" cy="4114800"/>
-          </a:xfrm>
-          <a:prstGeom prst="rect">
-            <a:avLst/>
-          </a:prstGeom>
-        </p:spPr>
-        <p:txBody>
-          <a:bodyPr spcFirstLastPara="1" wrap="square" lIns="91425" tIns="91425" rIns="91425" bIns="91425" anchor="t" anchorCtr="0">
-            <a:noAutofit/>
-          </a:bodyPr>
-          <a:lstStyle/>
-          <a:p>
-            <a:pPr marL="0" lvl="0" indent="0" algn="l" rtl="0">
-              <a:spcBef>
-                <a:spcPts val="0"/>
-              </a:spcBef>
-              <a:spcAft>
-                <a:spcPts val="0"/>
-              </a:spcAft>
-              <a:buNone/>
-            </a:pPr>
-            <a:endParaRPr/>
-          </a:p>
-        </p:txBody>
-      </p:sp>
-    </p:spTree>
-  </p:cSld>
-  <p:clrMapOvr>
-    <a:masterClrMapping/>
-  </p:clrMapOvr>
-</p:notes>
-</file>
-
-<file path=ppt/notesSlides/notesSlide8.xml><?xml version="1.0" encoding="utf-8"?>
 <p:notes xmlns:a="http://schemas.openxmlformats.org/drawingml/2006/main" xmlns:r="http://schemas.openxmlformats.org/officeDocument/2006/relationships" xmlns:p="http://schemas.openxmlformats.org/presentationml/2006/main" showMasterSp="0" showMasterPhAnim="0">
   <p:cSld>
     <p:spTree>
@@ -8208,8 +8003,8 @@
         </p:nvSpPr>
         <p:spPr>
           <a:xfrm>
-            <a:off x="598100" y="1775222"/>
-            <a:ext cx="8222100" cy="838800"/>
+            <a:off x="234892" y="1775222"/>
+            <a:ext cx="8585308" cy="838800"/>
           </a:xfrm>
           <a:prstGeom prst="rect">
             <a:avLst/>
@@ -8231,10 +8026,10 @@
               <a:buNone/>
             </a:pPr>
             <a:r>
-              <a:rPr lang="en"/>
-              <a:t>Zombie Shooter Game</a:t>
+              <a:rPr lang="en-US" sz="3600" dirty="0"/>
+              <a:t>Miami Beach Zombie Apocalypse Game</a:t>
             </a:r>
-            <a:endParaRPr/>
+            <a:endParaRPr sz="3600" dirty="0"/>
           </a:p>
         </p:txBody>
       </p:sp>
@@ -8273,10 +8068,406 @@
               <a:buNone/>
             </a:pPr>
             <a:r>
-              <a:rPr lang="en"/>
+              <a:rPr lang="en" sz="1800" dirty="0"/>
               <a:t>By Dishoungh White, Valdimar Sigurdsson, Alaina Edwards, and Gavin Glenn</a:t>
             </a:r>
+            <a:endParaRPr sz="1800" dirty="0"/>
+          </a:p>
+        </p:txBody>
+      </p:sp>
+    </p:spTree>
+  </p:cSld>
+  <p:clrMapOvr>
+    <a:masterClrMapping/>
+  </p:clrMapOvr>
+</p:sld>
+</file>
+
+<file path=ppt/slides/slide10.xml><?xml version="1.0" encoding="utf-8"?>
+<p:sld xmlns:a="http://schemas.openxmlformats.org/drawingml/2006/main" xmlns:r="http://schemas.openxmlformats.org/officeDocument/2006/relationships" xmlns:p="http://schemas.openxmlformats.org/presentationml/2006/main">
+  <p:cSld>
+    <p:spTree>
+      <p:nvGrpSpPr>
+        <p:cNvPr id="1" name=""/>
+        <p:cNvGrpSpPr/>
+        <p:nvPr/>
+      </p:nvGrpSpPr>
+      <p:grpSpPr>
+        <a:xfrm>
+          <a:off x="0" y="0"/>
+          <a:ext cx="0" cy="0"/>
+          <a:chOff x="0" y="0"/>
+          <a:chExt cx="0" cy="0"/>
+        </a:xfrm>
+      </p:grpSpPr>
+      <p:sp>
+        <p:nvSpPr>
+          <p:cNvPr id="2" name="Title 1">
+            <a:extLst>
+              <a:ext uri="{FF2B5EF4-FFF2-40B4-BE49-F238E27FC236}">
+                <a16:creationId xmlns:a16="http://schemas.microsoft.com/office/drawing/2014/main" id="{A9DD503B-88FB-4869-90E1-75E2E5D77652}"/>
+              </a:ext>
+            </a:extLst>
+          </p:cNvPr>
+          <p:cNvSpPr>
+            <a:spLocks noGrp="1"/>
+          </p:cNvSpPr>
+          <p:nvPr>
+            <p:ph type="title"/>
+          </p:nvPr>
+        </p:nvSpPr>
+        <p:spPr/>
+        <p:txBody>
+          <a:bodyPr/>
+          <a:lstStyle/>
+          <a:p>
+            <a:r>
+              <a:rPr lang="en-US" dirty="0"/>
+              <a:t>Stage V: Testing</a:t>
+            </a:r>
+          </a:p>
+        </p:txBody>
+      </p:sp>
+      <p:sp>
+        <p:nvSpPr>
+          <p:cNvPr id="3" name="Text Placeholder 2">
+            <a:extLst>
+              <a:ext uri="{FF2B5EF4-FFF2-40B4-BE49-F238E27FC236}">
+                <a16:creationId xmlns:a16="http://schemas.microsoft.com/office/drawing/2014/main" id="{970A0BEF-CE51-4C1B-A07F-6CA224D4094A}"/>
+              </a:ext>
+            </a:extLst>
+          </p:cNvPr>
+          <p:cNvSpPr>
+            <a:spLocks noGrp="1"/>
+          </p:cNvSpPr>
+          <p:nvPr>
+            <p:ph type="body" idx="1"/>
+          </p:nvPr>
+        </p:nvSpPr>
+        <p:spPr/>
+        <p:txBody>
+          <a:bodyPr/>
+          <a:lstStyle/>
+          <a:p>
+            <a:r>
+              <a:rPr lang="en-US" dirty="0"/>
+              <a:t>For the final days before the demo, we wanted to test our game and hunt for bugs</a:t>
+            </a:r>
+          </a:p>
+          <a:p>
+            <a:r>
+              <a:rPr lang="en-US" dirty="0"/>
+              <a:t>Bugs Found</a:t>
+            </a:r>
+          </a:p>
+          <a:p>
+            <a:pPr lvl="1"/>
+            <a:endParaRPr lang="en-US" dirty="0"/>
+          </a:p>
+        </p:txBody>
+      </p:sp>
+    </p:spTree>
+    <p:extLst>
+      <p:ext uri="{BB962C8B-B14F-4D97-AF65-F5344CB8AC3E}">
+        <p14:creationId xmlns:p14="http://schemas.microsoft.com/office/powerpoint/2010/main" val="1838185975"/>
+      </p:ext>
+    </p:extLst>
+  </p:cSld>
+  <p:clrMapOvr>
+    <a:masterClrMapping/>
+  </p:clrMapOvr>
+</p:sld>
+</file>
+
+<file path=ppt/slides/slide11.xml><?xml version="1.0" encoding="utf-8"?>
+<p:sld xmlns:a="http://schemas.openxmlformats.org/drawingml/2006/main" xmlns:r="http://schemas.openxmlformats.org/officeDocument/2006/relationships" xmlns:p="http://schemas.openxmlformats.org/presentationml/2006/main">
+  <p:cSld>
+    <p:spTree>
+      <p:nvGrpSpPr>
+        <p:cNvPr id="1" name="Shape 108"/>
+        <p:cNvGrpSpPr/>
+        <p:nvPr/>
+      </p:nvGrpSpPr>
+      <p:grpSpPr>
+        <a:xfrm>
+          <a:off x="0" y="0"/>
+          <a:ext cx="0" cy="0"/>
+          <a:chOff x="0" y="0"/>
+          <a:chExt cx="0" cy="0"/>
+        </a:xfrm>
+      </p:grpSpPr>
+      <p:sp>
+        <p:nvSpPr>
+          <p:cNvPr id="109" name="Google Shape;109;p17"/>
+          <p:cNvSpPr txBox="1">
+            <a:spLocks noGrp="1"/>
+          </p:cNvSpPr>
+          <p:nvPr>
+            <p:ph type="title"/>
+          </p:nvPr>
+        </p:nvSpPr>
+        <p:spPr>
+          <a:xfrm>
+            <a:off x="311700" y="410000"/>
+            <a:ext cx="8520600" cy="607800"/>
+          </a:xfrm>
+          <a:prstGeom prst="rect">
+            <a:avLst/>
+          </a:prstGeom>
+        </p:spPr>
+        <p:txBody>
+          <a:bodyPr spcFirstLastPara="1" wrap="square" lIns="91425" tIns="91425" rIns="91425" bIns="91425" anchor="t" anchorCtr="0">
+            <a:noAutofit/>
+          </a:bodyPr>
+          <a:lstStyle/>
+          <a:p>
+            <a:pPr marL="0" lvl="0" indent="0" algn="l" rtl="0">
+              <a:spcBef>
+                <a:spcPts val="0"/>
+              </a:spcBef>
+              <a:spcAft>
+                <a:spcPts val="0"/>
+              </a:spcAft>
+              <a:buNone/>
+            </a:pPr>
+            <a:r>
+              <a:rPr lang="en"/>
+              <a:t>Software Used</a:t>
+            </a:r>
             <a:endParaRPr/>
+          </a:p>
+        </p:txBody>
+      </p:sp>
+      <p:sp>
+        <p:nvSpPr>
+          <p:cNvPr id="110" name="Google Shape;110;p17"/>
+          <p:cNvSpPr txBox="1">
+            <a:spLocks noGrp="1"/>
+          </p:cNvSpPr>
+          <p:nvPr>
+            <p:ph type="body" idx="1"/>
+          </p:nvPr>
+        </p:nvSpPr>
+        <p:spPr>
+          <a:xfrm>
+            <a:off x="311700" y="1229875"/>
+            <a:ext cx="8520600" cy="3339000"/>
+          </a:xfrm>
+          <a:prstGeom prst="rect">
+            <a:avLst/>
+          </a:prstGeom>
+        </p:spPr>
+        <p:txBody>
+          <a:bodyPr spcFirstLastPara="1" wrap="square" lIns="91425" tIns="91425" rIns="91425" bIns="91425" anchor="t" anchorCtr="0">
+            <a:noAutofit/>
+          </a:bodyPr>
+          <a:lstStyle/>
+          <a:p>
+            <a:pPr marL="0" lvl="0" indent="0" algn="l" rtl="0">
+              <a:spcBef>
+                <a:spcPts val="0"/>
+              </a:spcBef>
+              <a:spcAft>
+                <a:spcPts val="0"/>
+              </a:spcAft>
+              <a:buNone/>
+            </a:pPr>
+            <a:r>
+              <a:rPr lang="en" dirty="0"/>
+              <a:t>Language: Java</a:t>
+            </a:r>
+            <a:endParaRPr dirty="0"/>
+          </a:p>
+          <a:p>
+            <a:pPr marL="0" lvl="0" indent="0" algn="l" rtl="0">
+              <a:spcBef>
+                <a:spcPts val="1600"/>
+              </a:spcBef>
+              <a:spcAft>
+                <a:spcPts val="0"/>
+              </a:spcAft>
+              <a:buNone/>
+            </a:pPr>
+            <a:endParaRPr dirty="0"/>
+          </a:p>
+          <a:p>
+            <a:pPr marL="0" lvl="0" indent="0" algn="l" rtl="0">
+              <a:spcBef>
+                <a:spcPts val="1600"/>
+              </a:spcBef>
+              <a:spcAft>
+                <a:spcPts val="0"/>
+              </a:spcAft>
+              <a:buNone/>
+            </a:pPr>
+            <a:r>
+              <a:rPr lang="en" dirty="0"/>
+              <a:t>Map Creation: Paint.net</a:t>
+            </a:r>
+            <a:endParaRPr dirty="0"/>
+          </a:p>
+          <a:p>
+            <a:pPr marL="0" lvl="0" indent="0" algn="l" rtl="0">
+              <a:spcBef>
+                <a:spcPts val="1600"/>
+              </a:spcBef>
+              <a:spcAft>
+                <a:spcPts val="0"/>
+              </a:spcAft>
+              <a:buNone/>
+            </a:pPr>
+            <a:endParaRPr dirty="0"/>
+          </a:p>
+          <a:p>
+            <a:pPr marL="0" lvl="0" indent="0" algn="l" rtl="0">
+              <a:spcBef>
+                <a:spcPts val="1600"/>
+              </a:spcBef>
+              <a:spcAft>
+                <a:spcPts val="1600"/>
+              </a:spcAft>
+              <a:buNone/>
+            </a:pPr>
+            <a:r>
+              <a:rPr lang="en" dirty="0"/>
+              <a:t>Version Control: Github</a:t>
+            </a:r>
+            <a:endParaRPr dirty="0"/>
+          </a:p>
+        </p:txBody>
+      </p:sp>
+    </p:spTree>
+  </p:cSld>
+  <p:clrMapOvr>
+    <a:masterClrMapping/>
+  </p:clrMapOvr>
+</p:sld>
+</file>
+
+<file path=ppt/slides/slide12.xml><?xml version="1.0" encoding="utf-8"?>
+<p:sld xmlns:a="http://schemas.openxmlformats.org/drawingml/2006/main" xmlns:r="http://schemas.openxmlformats.org/officeDocument/2006/relationships" xmlns:p="http://schemas.openxmlformats.org/presentationml/2006/main">
+  <p:cSld>
+    <p:spTree>
+      <p:nvGrpSpPr>
+        <p:cNvPr id="1" name="Shape 126"/>
+        <p:cNvGrpSpPr/>
+        <p:nvPr/>
+      </p:nvGrpSpPr>
+      <p:grpSpPr>
+        <a:xfrm>
+          <a:off x="0" y="0"/>
+          <a:ext cx="0" cy="0"/>
+          <a:chOff x="0" y="0"/>
+          <a:chExt cx="0" cy="0"/>
+        </a:xfrm>
+      </p:grpSpPr>
+      <p:sp>
+        <p:nvSpPr>
+          <p:cNvPr id="127" name="Google Shape;127;p20"/>
+          <p:cNvSpPr txBox="1">
+            <a:spLocks noGrp="1"/>
+          </p:cNvSpPr>
+          <p:nvPr>
+            <p:ph type="title"/>
+          </p:nvPr>
+        </p:nvSpPr>
+        <p:spPr>
+          <a:xfrm>
+            <a:off x="311700" y="410000"/>
+            <a:ext cx="8520600" cy="607800"/>
+          </a:xfrm>
+          <a:prstGeom prst="rect">
+            <a:avLst/>
+          </a:prstGeom>
+        </p:spPr>
+        <p:txBody>
+          <a:bodyPr spcFirstLastPara="1" wrap="square" lIns="91425" tIns="91425" rIns="91425" bIns="91425" anchor="t" anchorCtr="0">
+            <a:noAutofit/>
+          </a:bodyPr>
+          <a:lstStyle/>
+          <a:p>
+            <a:pPr marL="0" lvl="0" indent="0" algn="l" rtl="0">
+              <a:spcBef>
+                <a:spcPts val="0"/>
+              </a:spcBef>
+              <a:spcAft>
+                <a:spcPts val="0"/>
+              </a:spcAft>
+              <a:buNone/>
+            </a:pPr>
+            <a:r>
+              <a:rPr lang="en"/>
+              <a:t>Testing</a:t>
+            </a:r>
+            <a:endParaRPr/>
+          </a:p>
+        </p:txBody>
+      </p:sp>
+      <p:sp>
+        <p:nvSpPr>
+          <p:cNvPr id="128" name="Google Shape;128;p20"/>
+          <p:cNvSpPr txBox="1">
+            <a:spLocks noGrp="1"/>
+          </p:cNvSpPr>
+          <p:nvPr>
+            <p:ph type="body" idx="1"/>
+          </p:nvPr>
+        </p:nvSpPr>
+        <p:spPr>
+          <a:xfrm>
+            <a:off x="311700" y="1229875"/>
+            <a:ext cx="8520600" cy="3339000"/>
+          </a:xfrm>
+          <a:prstGeom prst="rect">
+            <a:avLst/>
+          </a:prstGeom>
+        </p:spPr>
+        <p:txBody>
+          <a:bodyPr spcFirstLastPara="1" wrap="square" lIns="91425" tIns="91425" rIns="91425" bIns="91425" anchor="t" anchorCtr="0">
+            <a:noAutofit/>
+          </a:bodyPr>
+          <a:lstStyle/>
+          <a:p>
+            <a:pPr marL="285750" indent="-285750">
+              <a:spcAft>
+                <a:spcPts val="1600"/>
+              </a:spcAft>
+            </a:pPr>
+            <a:r>
+              <a:rPr lang="en-US" dirty="0"/>
+              <a:t>Unit Testing</a:t>
+            </a:r>
+          </a:p>
+          <a:p>
+            <a:pPr marL="742950" lvl="1" indent="-285750">
+              <a:spcAft>
+                <a:spcPts val="1600"/>
+              </a:spcAft>
+            </a:pPr>
+            <a:endParaRPr lang="en-US" dirty="0"/>
+          </a:p>
+          <a:p>
+            <a:pPr marL="285750" indent="-285750">
+              <a:spcAft>
+                <a:spcPts val="1600"/>
+              </a:spcAft>
+            </a:pPr>
+            <a:r>
+              <a:rPr lang="en-US" dirty="0"/>
+              <a:t>Integration Testing</a:t>
+            </a:r>
+          </a:p>
+          <a:p>
+            <a:pPr marL="285750" indent="-285750">
+              <a:spcAft>
+                <a:spcPts val="1600"/>
+              </a:spcAft>
+            </a:pPr>
+            <a:r>
+              <a:rPr lang="en-US" dirty="0"/>
+              <a:t>Acceptance Testing</a:t>
+            </a:r>
+            <a:endParaRPr dirty="0"/>
           </a:p>
         </p:txBody>
       </p:sp>
@@ -8289,6 +8480,154 @@
 </file>
 
 <file path=ppt/slides/slide2.xml><?xml version="1.0" encoding="utf-8"?>
+<p:sld xmlns:a="http://schemas.openxmlformats.org/drawingml/2006/main" xmlns:r="http://schemas.openxmlformats.org/officeDocument/2006/relationships" xmlns:p="http://schemas.openxmlformats.org/presentationml/2006/main">
+  <p:cSld>
+    <p:spTree>
+      <p:nvGrpSpPr>
+        <p:cNvPr id="1" name="Shape 102"/>
+        <p:cNvGrpSpPr/>
+        <p:nvPr/>
+      </p:nvGrpSpPr>
+      <p:grpSpPr>
+        <a:xfrm>
+          <a:off x="0" y="0"/>
+          <a:ext cx="0" cy="0"/>
+          <a:chOff x="0" y="0"/>
+          <a:chExt cx="0" cy="0"/>
+        </a:xfrm>
+      </p:grpSpPr>
+      <p:sp>
+        <p:nvSpPr>
+          <p:cNvPr id="103" name="Google Shape;103;p16"/>
+          <p:cNvSpPr txBox="1">
+            <a:spLocks noGrp="1"/>
+          </p:cNvSpPr>
+          <p:nvPr>
+            <p:ph type="title"/>
+          </p:nvPr>
+        </p:nvSpPr>
+        <p:spPr>
+          <a:xfrm>
+            <a:off x="311700" y="410000"/>
+            <a:ext cx="8520600" cy="607800"/>
+          </a:xfrm>
+          <a:prstGeom prst="rect">
+            <a:avLst/>
+          </a:prstGeom>
+        </p:spPr>
+        <p:txBody>
+          <a:bodyPr spcFirstLastPara="1" wrap="square" lIns="91425" tIns="91425" rIns="91425" bIns="91425" anchor="t" anchorCtr="0">
+            <a:noAutofit/>
+          </a:bodyPr>
+          <a:lstStyle/>
+          <a:p>
+            <a:pPr marL="0" lvl="0" indent="0" algn="l" rtl="0">
+              <a:spcBef>
+                <a:spcPts val="0"/>
+              </a:spcBef>
+              <a:spcAft>
+                <a:spcPts val="0"/>
+              </a:spcAft>
+              <a:buNone/>
+            </a:pPr>
+            <a:r>
+              <a:rPr lang="en"/>
+              <a:t>Overview</a:t>
+            </a:r>
+            <a:endParaRPr/>
+          </a:p>
+        </p:txBody>
+      </p:sp>
+      <p:sp>
+        <p:nvSpPr>
+          <p:cNvPr id="104" name="Google Shape;104;p16"/>
+          <p:cNvSpPr txBox="1">
+            <a:spLocks noGrp="1"/>
+          </p:cNvSpPr>
+          <p:nvPr>
+            <p:ph type="body" idx="1"/>
+          </p:nvPr>
+        </p:nvSpPr>
+        <p:spPr>
+          <a:xfrm>
+            <a:off x="311700" y="1229875"/>
+            <a:ext cx="8520600" cy="3339000"/>
+          </a:xfrm>
+          <a:prstGeom prst="rect">
+            <a:avLst/>
+          </a:prstGeom>
+        </p:spPr>
+        <p:txBody>
+          <a:bodyPr spcFirstLastPara="1" wrap="square" lIns="91425" tIns="91425" rIns="91425" bIns="91425" anchor="t" anchorCtr="0">
+            <a:noAutofit/>
+          </a:bodyPr>
+          <a:lstStyle/>
+          <a:p>
+            <a:pPr marL="0" lvl="0" indent="0" algn="l" rtl="0">
+              <a:spcBef>
+                <a:spcPts val="0"/>
+              </a:spcBef>
+              <a:spcAft>
+                <a:spcPts val="0"/>
+              </a:spcAft>
+              <a:buNone/>
+            </a:pPr>
+            <a:r>
+              <a:rPr lang="en" dirty="0"/>
+              <a:t>Premise: Survive against a horde of zombies </a:t>
+            </a:r>
+            <a:endParaRPr dirty="0"/>
+          </a:p>
+          <a:p>
+            <a:pPr marL="742950" lvl="1" indent="-285750"/>
+            <a:r>
+              <a:rPr lang="en" dirty="0"/>
+              <a:t>A player would spawn on a spot of a given map and zombies would hunt the player down</a:t>
+            </a:r>
+          </a:p>
+          <a:p>
+            <a:pPr marL="742950" lvl="1" indent="-285750"/>
+            <a:r>
+              <a:rPr lang="en" dirty="0"/>
+              <a:t>To win, shoot down all the zombies in the area and survive</a:t>
+            </a:r>
+            <a:endParaRPr dirty="0"/>
+          </a:p>
+          <a:p>
+            <a:pPr marL="0" lvl="0" indent="0" algn="l" rtl="0">
+              <a:spcBef>
+                <a:spcPts val="1600"/>
+              </a:spcBef>
+              <a:spcAft>
+                <a:spcPts val="1600"/>
+              </a:spcAft>
+              <a:buNone/>
+            </a:pPr>
+            <a:r>
+              <a:rPr lang="en-US" dirty="0"/>
+              <a:t>Story: A deadly zombie infection has hit Miami. This outbreak is likely spread by a new, popular strain of cannabis commonly known as “The </a:t>
+            </a:r>
+            <a:r>
+              <a:rPr lang="en-US" dirty="0" err="1"/>
+              <a:t>Zomb</a:t>
+            </a:r>
+            <a:r>
+              <a:rPr lang="en-US" dirty="0"/>
+              <a:t>”. Within days of inhalation, this highly dangerous strain causes the subjects to enter a permanent state of primal rage but slow movement. You do what you must to survive. </a:t>
+            </a:r>
+            <a:endParaRPr dirty="0"/>
+          </a:p>
+        </p:txBody>
+      </p:sp>
+    </p:spTree>
+  </p:cSld>
+  <p:clrMapOvr>
+    <a:masterClrMapping/>
+  </p:clrMapOvr>
+</p:sld>
+</file>
+
+<file path=ppt/slides/slide3.xml><?xml version="1.0" encoding="utf-8"?>
 <p:sld xmlns:a="http://schemas.openxmlformats.org/drawingml/2006/main" xmlns:r="http://schemas.openxmlformats.org/officeDocument/2006/relationships" xmlns:p="http://schemas.openxmlformats.org/presentationml/2006/main">
   <p:cSld>
     <p:spTree>
@@ -8466,7 +8805,23 @@
             </a:pPr>
             <a:r>
               <a:rPr lang="en" b="1" dirty="0"/>
-              <a:t>We divided our project into 5 parts and we would meet every Saturday or every other Saturday to discuss the requirements and design of each part.</a:t>
+              <a:t>We divided our project into 5 stages and we would meet </a:t>
+            </a:r>
+            <a:r>
+              <a:rPr lang="en-US" b="1" dirty="0"/>
+              <a:t>in person </a:t>
+            </a:r>
+            <a:r>
+              <a:rPr lang="en" b="1" dirty="0"/>
+              <a:t>every Saturday to d</a:t>
+            </a:r>
+            <a:r>
+              <a:rPr lang="en-US" b="1" dirty="0"/>
+              <a:t>emo our progress and we would converse everyday in a Discord server</a:t>
+            </a:r>
+            <a:r>
+              <a:rPr lang="en" b="1" dirty="0"/>
+              <a:t>.</a:t>
             </a:r>
             <a:endParaRPr b="1" dirty="0"/>
           </a:p>
@@ -8504,7 +8859,7 @@
 </p:sld>
 </file>
 
-<file path=ppt/slides/slide3.xml><?xml version="1.0" encoding="utf-8"?>
+<file path=ppt/slides/slide4.xml><?xml version="1.0" encoding="utf-8"?>
 <p:sld xmlns:a="http://schemas.openxmlformats.org/drawingml/2006/main" xmlns:r="http://schemas.openxmlformats.org/officeDocument/2006/relationships" xmlns:p="http://schemas.openxmlformats.org/presentationml/2006/main">
   <p:cSld>
     <p:spTree>
@@ -8602,18 +8957,14 @@
               <a:rPr lang="en" dirty="0"/>
               <a:t>Stage I: Requirement Analysis</a:t>
             </a:r>
-            <a:endParaRPr dirty="0"/>
-          </a:p>
-          <a:p>
-            <a:pPr marL="914400" lvl="1" indent="-317500" algn="l" rtl="0">
-              <a:spcBef>
-                <a:spcPts val="0"/>
-              </a:spcBef>
-              <a:spcAft>
-                <a:spcPts val="0"/>
-              </a:spcAft>
-              <a:buSzPts val="1400"/>
-              <a:buChar char="○"/>
+          </a:p>
+          <a:p>
+            <a:pPr lvl="1" indent="-342900">
+              <a:spcBef>
+                <a:spcPts val="0"/>
+              </a:spcBef>
+              <a:buSzPts val="1800"/>
+              <a:buChar char="●"/>
             </a:pPr>
             <a:r>
               <a:rPr lang="en" dirty="0"/>
@@ -8634,21 +8985,25 @@
             </a:pPr>
             <a:r>
               <a:rPr lang="en" dirty="0"/>
-              <a:t>Stage II: Designing the framework of the game</a:t>
+              <a:t>Stage II: Designing </a:t>
             </a:r>
-            <a:endParaRPr dirty="0"/>
-          </a:p>
-          <a:p>
-            <a:pPr marL="914400" lvl="1" indent="-317500" algn="l" rtl="0">
-              <a:spcBef>
-                <a:spcPts val="0"/>
-              </a:spcBef>
-              <a:spcAft>
-                <a:spcPts val="0"/>
-              </a:spcAft>
-              <a:buSzPts val="1400"/>
-              <a:buChar char="○"/>
+            <a:r>
+              <a:rPr lang="en-US" dirty="0"/>
+              <a:t>the Map and Game Object Placement</a:t>
+            </a:r>
+          </a:p>
+          <a:p>
+            <a:pPr lvl="1" indent="-342900">
+              <a:spcBef>
+                <a:spcPts val="0"/>
+              </a:spcBef>
+              <a:buSzPts val="1800"/>
+              <a:buChar char="●"/>
             </a:pPr>
+            <a:r>
+              <a:rPr lang="en-US" dirty="0"/>
+              <a:t>Design the map and design the type of objects to place in our map</a:t>
+            </a:r>
             <a:endParaRPr dirty="0"/>
           </a:p>
           <a:p>
@@ -8664,24 +9019,67 @@
             </a:pPr>
             <a:r>
               <a:rPr lang="en" dirty="0"/>
-              <a:t>Stage III: Implement More Features</a:t>
+              <a:t>Stage III: </a:t>
             </a:r>
-            <a:endParaRPr dirty="0"/>
-          </a:p>
-          <a:p>
-            <a:pPr marL="457200" lvl="0" indent="-342900" algn="l" rtl="0">
-              <a:spcBef>
-                <a:spcPts val="0"/>
-              </a:spcBef>
-              <a:spcAft>
-                <a:spcPts val="0"/>
-              </a:spcAft>
+            <a:r>
+              <a:rPr lang="en-US" dirty="0"/>
+              <a:t>Implementing More Features</a:t>
+            </a:r>
+            <a:endParaRPr lang="en" dirty="0"/>
+          </a:p>
+          <a:p>
+            <a:pPr lvl="1" indent="-342900">
+              <a:spcBef>
+                <a:spcPts val="0"/>
+              </a:spcBef>
               <a:buSzPts val="1800"/>
               <a:buChar char="●"/>
             </a:pPr>
             <a:r>
               <a:rPr lang="en" dirty="0"/>
-              <a:t>Stage IV: Implementing Final Features</a:t>
+              <a:t>Optimize the map from stage II, skin the player/zombie objects, </a:t>
+            </a:r>
+            <a:r>
+              <a:rPr lang="en-US" dirty="0"/>
+              <a:t>player movement</a:t>
+            </a:r>
+            <a:r>
+              <a:rPr lang="en" dirty="0"/>
+              <a:t> and make the game’s soundtrack</a:t>
+            </a:r>
+            <a:endParaRPr dirty="0"/>
+          </a:p>
+          <a:p>
+            <a:pPr marL="457200" lvl="0" indent="-342900" algn="l" rtl="0">
+              <a:spcBef>
+                <a:spcPts val="0"/>
+              </a:spcBef>
+              <a:spcAft>
+                <a:spcPts val="0"/>
+              </a:spcAft>
+              <a:buSzPts val="1800"/>
+              <a:buChar char="●"/>
+            </a:pPr>
+            <a:r>
+              <a:rPr lang="en" dirty="0"/>
+              <a:t>Stage IV: </a:t>
+            </a:r>
+            <a:r>
+              <a:rPr lang="en-US" dirty="0"/>
+              <a:t>Final Features and Optimization</a:t>
+            </a:r>
+          </a:p>
+          <a:p>
+            <a:pPr lvl="1" indent="-342900">
+              <a:spcBef>
+                <a:spcPts val="0"/>
+              </a:spcBef>
+              <a:buSzPts val="1800"/>
+              <a:buChar char="●"/>
+            </a:pPr>
+            <a:r>
+              <a:rPr lang="en-US" dirty="0"/>
+              <a:t>Implement player health, zombie movement, create pause feature, and optimize the previous features for demonstration</a:t>
             </a:r>
             <a:endParaRPr dirty="0"/>
           </a:p>
@@ -8700,141 +9098,27 @@
               <a:rPr lang="en" dirty="0"/>
               <a:t>Stage V: Testing</a:t>
             </a:r>
-            <a:endParaRPr dirty="0"/>
-          </a:p>
-        </p:txBody>
-      </p:sp>
-    </p:spTree>
-  </p:cSld>
-  <p:clrMapOvr>
-    <a:masterClrMapping/>
-  </p:clrMapOvr>
-</p:sld>
-</file>
-
-<file path=ppt/slides/slide4.xml><?xml version="1.0" encoding="utf-8"?>
-<p:sld xmlns:a="http://schemas.openxmlformats.org/drawingml/2006/main" xmlns:r="http://schemas.openxmlformats.org/officeDocument/2006/relationships" xmlns:p="http://schemas.openxmlformats.org/presentationml/2006/main">
-  <p:cSld>
-    <p:spTree>
-      <p:nvGrpSpPr>
-        <p:cNvPr id="1" name="Shape 102"/>
-        <p:cNvGrpSpPr/>
-        <p:nvPr/>
-      </p:nvGrpSpPr>
-      <p:grpSpPr>
-        <a:xfrm>
-          <a:off x="0" y="0"/>
-          <a:ext cx="0" cy="0"/>
-          <a:chOff x="0" y="0"/>
-          <a:chExt cx="0" cy="0"/>
-        </a:xfrm>
-      </p:grpSpPr>
-      <p:sp>
-        <p:nvSpPr>
-          <p:cNvPr id="103" name="Google Shape;103;p16"/>
-          <p:cNvSpPr txBox="1">
-            <a:spLocks noGrp="1"/>
-          </p:cNvSpPr>
-          <p:nvPr>
-            <p:ph type="title"/>
-          </p:nvPr>
-        </p:nvSpPr>
-        <p:spPr>
-          <a:xfrm>
-            <a:off x="311700" y="410000"/>
-            <a:ext cx="8520600" cy="607800"/>
-          </a:xfrm>
-          <a:prstGeom prst="rect">
-            <a:avLst/>
-          </a:prstGeom>
-        </p:spPr>
-        <p:txBody>
-          <a:bodyPr spcFirstLastPara="1" wrap="square" lIns="91425" tIns="91425" rIns="91425" bIns="91425" anchor="t" anchorCtr="0">
-            <a:noAutofit/>
-          </a:bodyPr>
-          <a:lstStyle/>
-          <a:p>
-            <a:pPr marL="0" lvl="0" indent="0" algn="l" rtl="0">
-              <a:spcBef>
-                <a:spcPts val="0"/>
-              </a:spcBef>
-              <a:spcAft>
-                <a:spcPts val="0"/>
-              </a:spcAft>
-              <a:buNone/>
-            </a:pPr>
-            <a:r>
-              <a:rPr lang="en"/>
-              <a:t>Overview</a:t>
-            </a:r>
-            <a:endParaRPr/>
-          </a:p>
-        </p:txBody>
-      </p:sp>
-      <p:sp>
-        <p:nvSpPr>
-          <p:cNvPr id="104" name="Google Shape;104;p16"/>
-          <p:cNvSpPr txBox="1">
-            <a:spLocks noGrp="1"/>
-          </p:cNvSpPr>
-          <p:nvPr>
-            <p:ph type="body" idx="1"/>
-          </p:nvPr>
-        </p:nvSpPr>
-        <p:spPr>
-          <a:xfrm>
-            <a:off x="311700" y="1229875"/>
-            <a:ext cx="8520600" cy="3339000"/>
-          </a:xfrm>
-          <a:prstGeom prst="rect">
-            <a:avLst/>
-          </a:prstGeom>
-        </p:spPr>
-        <p:txBody>
-          <a:bodyPr spcFirstLastPara="1" wrap="square" lIns="91425" tIns="91425" rIns="91425" bIns="91425" anchor="t" anchorCtr="0">
-            <a:noAutofit/>
-          </a:bodyPr>
-          <a:lstStyle/>
-          <a:p>
-            <a:pPr marL="0" lvl="0" indent="0" algn="l" rtl="0">
-              <a:spcBef>
-                <a:spcPts val="0"/>
-              </a:spcBef>
-              <a:spcAft>
-                <a:spcPts val="0"/>
-              </a:spcAft>
-              <a:buNone/>
+          </a:p>
+          <a:p>
+            <a:pPr lvl="1" indent="-342900">
+              <a:spcBef>
+                <a:spcPts val="0"/>
+              </a:spcBef>
+              <a:buSzPts val="1800"/>
+              <a:buChar char="●"/>
             </a:pPr>
             <a:r>
               <a:rPr lang="en" dirty="0"/>
-              <a:t>Premise: Survive against a horde of zombies </a:t>
+              <a:t>Test the final demo of the game and document bugs</a:t>
             </a:r>
-            <a:endParaRPr dirty="0"/>
-          </a:p>
-          <a:p>
-            <a:pPr marL="742950" lvl="1" indent="-285750"/>
-            <a:r>
-              <a:rPr lang="en" dirty="0"/>
-              <a:t>A player would spawn on a spot of a given map and zombies would hunt the player down</a:t>
-            </a:r>
-          </a:p>
-          <a:p>
-            <a:pPr marL="742950" lvl="1" indent="-285750"/>
-            <a:r>
-              <a:rPr lang="en" dirty="0"/>
-              <a:t>To win, shoot down all the zombies in the area and survive</a:t>
-            </a:r>
-            <a:endParaRPr dirty="0"/>
-          </a:p>
-          <a:p>
-            <a:pPr marL="0" lvl="0" indent="0" algn="l" rtl="0">
-              <a:spcBef>
-                <a:spcPts val="1600"/>
-              </a:spcBef>
-              <a:spcAft>
-                <a:spcPts val="1600"/>
-              </a:spcAft>
-              <a:buNone/>
+          </a:p>
+          <a:p>
+            <a:pPr lvl="1" indent="-342900">
+              <a:spcBef>
+                <a:spcPts val="0"/>
+              </a:spcBef>
+              <a:buSzPts val="1800"/>
+              <a:buChar char="●"/>
             </a:pPr>
             <a:endParaRPr dirty="0"/>
           </a:p>
@@ -8853,7 +9137,7 @@
   <p:cSld>
     <p:spTree>
       <p:nvGrpSpPr>
-        <p:cNvPr id="1" name="Shape 108"/>
+        <p:cNvPr id="1" name=""/>
         <p:cNvGrpSpPr/>
         <p:nvPr/>
       </p:nvGrpSpPr>
@@ -8867,145 +9151,174 @@
       </p:grpSpPr>
       <p:sp>
         <p:nvSpPr>
-          <p:cNvPr id="109" name="Google Shape;109;p17"/>
-          <p:cNvSpPr txBox="1">
+          <p:cNvPr id="2" name="Title 1">
+            <a:extLst>
+              <a:ext uri="{FF2B5EF4-FFF2-40B4-BE49-F238E27FC236}">
+                <a16:creationId xmlns:a16="http://schemas.microsoft.com/office/drawing/2014/main" id="{47514827-F399-4928-ABFE-17454D146B29}"/>
+              </a:ext>
+            </a:extLst>
+          </p:cNvPr>
+          <p:cNvSpPr>
             <a:spLocks noGrp="1"/>
           </p:cNvSpPr>
           <p:nvPr>
             <p:ph type="title"/>
           </p:nvPr>
         </p:nvSpPr>
-        <p:spPr>
-          <a:xfrm>
-            <a:off x="311700" y="410000"/>
-            <a:ext cx="8520600" cy="607800"/>
-          </a:xfrm>
-          <a:prstGeom prst="rect">
-            <a:avLst/>
-          </a:prstGeom>
-        </p:spPr>
+        <p:spPr/>
         <p:txBody>
-          <a:bodyPr spcFirstLastPara="1" wrap="square" lIns="91425" tIns="91425" rIns="91425" bIns="91425" anchor="t" anchorCtr="0">
-            <a:noAutofit/>
-          </a:bodyPr>
+          <a:bodyPr/>
           <a:lstStyle/>
           <a:p>
-            <a:pPr marL="0" lvl="0" indent="0" algn="l" rtl="0">
-              <a:spcBef>
-                <a:spcPts val="0"/>
-              </a:spcBef>
-              <a:spcAft>
-                <a:spcPts val="0"/>
-              </a:spcAft>
-              <a:buNone/>
-            </a:pPr>
             <a:r>
-              <a:rPr lang="en"/>
-              <a:t>Software Used</a:t>
+              <a:rPr lang="en-US" dirty="0"/>
+              <a:t>Stage I: Requirement Analysis</a:t>
             </a:r>
-            <a:endParaRPr/>
           </a:p>
         </p:txBody>
       </p:sp>
       <p:sp>
         <p:nvSpPr>
-          <p:cNvPr id="110" name="Google Shape;110;p17"/>
-          <p:cNvSpPr txBox="1">
+          <p:cNvPr id="3" name="Text Placeholder 2">
+            <a:extLst>
+              <a:ext uri="{FF2B5EF4-FFF2-40B4-BE49-F238E27FC236}">
+                <a16:creationId xmlns:a16="http://schemas.microsoft.com/office/drawing/2014/main" id="{49AAE09E-ABCC-4198-B1FC-02298FF418F9}"/>
+              </a:ext>
+            </a:extLst>
+          </p:cNvPr>
+          <p:cNvSpPr>
             <a:spLocks noGrp="1"/>
           </p:cNvSpPr>
           <p:nvPr>
             <p:ph type="body" idx="1"/>
           </p:nvPr>
         </p:nvSpPr>
-        <p:spPr>
-          <a:xfrm>
-            <a:off x="311700" y="1229875"/>
-            <a:ext cx="8520600" cy="3339000"/>
-          </a:xfrm>
-          <a:prstGeom prst="rect">
-            <a:avLst/>
-          </a:prstGeom>
-        </p:spPr>
+        <p:spPr/>
         <p:txBody>
-          <a:bodyPr spcFirstLastPara="1" wrap="square" lIns="91425" tIns="91425" rIns="91425" bIns="91425" anchor="t" anchorCtr="0">
-            <a:noAutofit/>
-          </a:bodyPr>
+          <a:bodyPr/>
           <a:lstStyle/>
           <a:p>
-            <a:pPr marL="0" lvl="0" indent="0" algn="l" rtl="0">
-              <a:spcBef>
-                <a:spcPts val="0"/>
-              </a:spcBef>
-              <a:spcAft>
-                <a:spcPts val="0"/>
-              </a:spcAft>
-              <a:buNone/>
+            <a:pPr>
+              <a:lnSpc>
+                <a:spcPct val="100000"/>
+              </a:lnSpc>
             </a:pPr>
             <a:r>
-              <a:rPr lang="en"/>
-              <a:t>Language: Java</a:t>
+              <a:rPr lang="en-US" sz="1200" dirty="0"/>
+              <a:t>We wanted to make a game, which is something we were all familiar with</a:t>
             </a:r>
-            <a:endParaRPr/>
-          </a:p>
-          <a:p>
-            <a:pPr marL="0" lvl="0" indent="0" algn="l" rtl="0">
-              <a:spcBef>
-                <a:spcPts val="1600"/>
-              </a:spcBef>
-              <a:spcAft>
-                <a:spcPts val="0"/>
-              </a:spcAft>
-              <a:buNone/>
-            </a:pPr>
-            <a:endParaRPr/>
-          </a:p>
-          <a:p>
-            <a:pPr marL="0" lvl="0" indent="0" algn="l" rtl="0">
-              <a:spcBef>
-                <a:spcPts val="1600"/>
-              </a:spcBef>
-              <a:spcAft>
-                <a:spcPts val="0"/>
-              </a:spcAft>
-              <a:buNone/>
+          </a:p>
+          <a:p>
+            <a:pPr>
+              <a:lnSpc>
+                <a:spcPct val="100000"/>
+              </a:lnSpc>
             </a:pPr>
             <a:r>
-              <a:rPr lang="en"/>
-              <a:t>Map Creation: Paint.net</a:t>
+              <a:rPr lang="en-US" sz="1200" dirty="0"/>
+              <a:t>The game we wanted to make had to:</a:t>
             </a:r>
-            <a:endParaRPr/>
-          </a:p>
-          <a:p>
-            <a:pPr marL="0" lvl="0" indent="0" algn="l" rtl="0">
-              <a:spcBef>
-                <a:spcPts val="1600"/>
-              </a:spcBef>
-              <a:spcAft>
-                <a:spcPts val="0"/>
-              </a:spcAft>
-              <a:buNone/>
-            </a:pPr>
-            <a:endParaRPr/>
-          </a:p>
-          <a:p>
-            <a:pPr marL="0" lvl="0" indent="0" algn="l" rtl="0">
-              <a:spcBef>
-                <a:spcPts val="1600"/>
-              </a:spcBef>
-              <a:spcAft>
-                <a:spcPts val="1600"/>
-              </a:spcAft>
-              <a:buNone/>
+          </a:p>
+          <a:p>
+            <a:pPr lvl="1">
+              <a:lnSpc>
+                <a:spcPct val="100000"/>
+              </a:lnSpc>
             </a:pPr>
             <a:r>
-              <a:rPr lang="en"/>
-              <a:t>Version Control: Github</a:t>
+              <a:rPr lang="en-US" sz="1200" dirty="0"/>
+              <a:t>Obviously have a player and zombie objects</a:t>
             </a:r>
-            <a:endParaRPr/>
+          </a:p>
+          <a:p>
+            <a:pPr lvl="2">
+              <a:lnSpc>
+                <a:spcPct val="100000"/>
+              </a:lnSpc>
+            </a:pPr>
+            <a:r>
+              <a:rPr lang="en-US" sz="1200" dirty="0"/>
+              <a:t>Each of those objects should move around the map</a:t>
+            </a:r>
+          </a:p>
+          <a:p>
+            <a:pPr lvl="2">
+              <a:lnSpc>
+                <a:spcPct val="100000"/>
+              </a:lnSpc>
+            </a:pPr>
+            <a:r>
+              <a:rPr lang="en-US" sz="1200" dirty="0"/>
+              <a:t>Zombies hunt down the player when nearby</a:t>
+            </a:r>
+          </a:p>
+          <a:p>
+            <a:pPr lvl="1">
+              <a:lnSpc>
+                <a:spcPct val="100000"/>
+              </a:lnSpc>
+            </a:pPr>
+            <a:r>
+              <a:rPr lang="en-US" sz="1200" dirty="0"/>
+              <a:t>Have a mouse controlling the player’s aim and shooting.</a:t>
+            </a:r>
+          </a:p>
+          <a:p>
+            <a:pPr lvl="1">
+              <a:lnSpc>
+                <a:spcPct val="100000"/>
+              </a:lnSpc>
+            </a:pPr>
+            <a:r>
+              <a:rPr lang="en-US" sz="1200" dirty="0"/>
+              <a:t>Set our game in one giant map to place all of our game objects</a:t>
+            </a:r>
+          </a:p>
+          <a:p>
+            <a:pPr lvl="1">
+              <a:lnSpc>
+                <a:spcPct val="100000"/>
+              </a:lnSpc>
+            </a:pPr>
+            <a:r>
+              <a:rPr lang="en-US" sz="1200" dirty="0"/>
+              <a:t>Create an audio player for our music and gunshots</a:t>
+            </a:r>
+          </a:p>
+          <a:p>
+            <a:pPr lvl="1">
+              <a:lnSpc>
+                <a:spcPct val="100000"/>
+              </a:lnSpc>
+            </a:pPr>
+            <a:r>
+              <a:rPr lang="en-US" sz="1200" dirty="0"/>
+              <a:t>Pause whenever the user wishes to and stop the game whenever the player “dies”</a:t>
+            </a:r>
+          </a:p>
+          <a:p>
+            <a:pPr>
+              <a:lnSpc>
+                <a:spcPct val="100000"/>
+              </a:lnSpc>
+            </a:pPr>
+            <a:r>
+              <a:rPr lang="en-US" sz="1200" dirty="0"/>
+              <a:t>After we set up our requirements for our game, we devised a schedule for the end of each stage.</a:t>
+            </a:r>
+          </a:p>
+          <a:p>
+            <a:pPr lvl="1"/>
+            <a:endParaRPr lang="en-US" dirty="0"/>
           </a:p>
         </p:txBody>
       </p:sp>
     </p:spTree>
+    <p:extLst>
+      <p:ext uri="{BB962C8B-B14F-4D97-AF65-F5344CB8AC3E}">
+        <p14:creationId xmlns:p14="http://schemas.microsoft.com/office/powerpoint/2010/main" val="3788316001"/>
+      </p:ext>
+    </p:extLst>
   </p:cSld>
   <p:clrMapOvr>
     <a:masterClrMapping/>
@@ -9018,7 +9331,7 @@
   <p:cSld>
     <p:spTree>
       <p:nvGrpSpPr>
-        <p:cNvPr id="1" name="Shape 114"/>
+        <p:cNvPr id="1" name=""/>
         <p:cNvGrpSpPr/>
         <p:nvPr/>
       </p:nvGrpSpPr>
@@ -9032,85 +9345,93 @@
       </p:grpSpPr>
       <p:sp>
         <p:nvSpPr>
-          <p:cNvPr id="115" name="Google Shape;115;p18"/>
-          <p:cNvSpPr txBox="1">
+          <p:cNvPr id="2" name="Title 1">
+            <a:extLst>
+              <a:ext uri="{FF2B5EF4-FFF2-40B4-BE49-F238E27FC236}">
+                <a16:creationId xmlns:a16="http://schemas.microsoft.com/office/drawing/2014/main" id="{788D9EC5-6FA1-493A-A351-A7C8C249A96F}"/>
+              </a:ext>
+            </a:extLst>
+          </p:cNvPr>
+          <p:cNvSpPr>
             <a:spLocks noGrp="1"/>
           </p:cNvSpPr>
           <p:nvPr>
             <p:ph type="title"/>
           </p:nvPr>
         </p:nvSpPr>
-        <p:spPr>
-          <a:xfrm>
-            <a:off x="311700" y="410000"/>
-            <a:ext cx="8520600" cy="607800"/>
-          </a:xfrm>
-          <a:prstGeom prst="rect">
-            <a:avLst/>
-          </a:prstGeom>
-        </p:spPr>
+        <p:spPr/>
         <p:txBody>
-          <a:bodyPr spcFirstLastPara="1" wrap="square" lIns="91425" tIns="91425" rIns="91425" bIns="91425" anchor="t" anchorCtr="0">
-            <a:noAutofit/>
-          </a:bodyPr>
+          <a:bodyPr/>
           <a:lstStyle/>
           <a:p>
-            <a:pPr marL="0" lvl="0" indent="0" algn="l" rtl="0">
-              <a:spcBef>
-                <a:spcPts val="0"/>
-              </a:spcBef>
-              <a:spcAft>
-                <a:spcPts val="0"/>
-              </a:spcAft>
-              <a:buNone/>
-            </a:pPr>
             <a:r>
-              <a:rPr lang="en"/>
-              <a:t>Hierarchical/Context Diagram</a:t>
+              <a:rPr lang="en-US" dirty="0"/>
+              <a:t>Stage II: Designing the Map and Game Objects</a:t>
             </a:r>
-            <a:endParaRPr/>
           </a:p>
         </p:txBody>
       </p:sp>
       <p:sp>
         <p:nvSpPr>
-          <p:cNvPr id="116" name="Google Shape;116;p18"/>
-          <p:cNvSpPr txBox="1">
+          <p:cNvPr id="3" name="Text Placeholder 2">
+            <a:extLst>
+              <a:ext uri="{FF2B5EF4-FFF2-40B4-BE49-F238E27FC236}">
+                <a16:creationId xmlns:a16="http://schemas.microsoft.com/office/drawing/2014/main" id="{2F6982D2-BCCF-4220-83E9-28200448ECF9}"/>
+              </a:ext>
+            </a:extLst>
+          </p:cNvPr>
+          <p:cNvSpPr>
             <a:spLocks noGrp="1"/>
           </p:cNvSpPr>
           <p:nvPr>
             <p:ph type="body" idx="1"/>
           </p:nvPr>
         </p:nvSpPr>
-        <p:spPr>
-          <a:xfrm>
-            <a:off x="311700" y="1229875"/>
-            <a:ext cx="8520600" cy="3339000"/>
-          </a:xfrm>
-          <a:prstGeom prst="rect">
-            <a:avLst/>
-          </a:prstGeom>
-        </p:spPr>
+        <p:spPr/>
         <p:txBody>
-          <a:bodyPr spcFirstLastPara="1" wrap="square" lIns="91425" tIns="91425" rIns="91425" bIns="91425" anchor="t" anchorCtr="0">
-            <a:noAutofit/>
-          </a:bodyPr>
+          <a:bodyPr/>
           <a:lstStyle/>
           <a:p>
-            <a:pPr marL="0" lvl="0" indent="0" algn="l" rtl="0">
-              <a:spcBef>
-                <a:spcPts val="0"/>
-              </a:spcBef>
-              <a:spcAft>
-                <a:spcPts val="1600"/>
-              </a:spcAft>
-              <a:buNone/>
-            </a:pPr>
-            <a:endParaRPr/>
+            <a:r>
+              <a:rPr lang="en-US" dirty="0"/>
+              <a:t>It would be difficult for us to design a map by hand with the code.</a:t>
+            </a:r>
+          </a:p>
+          <a:p>
+            <a:r>
+              <a:rPr lang="en-US" dirty="0"/>
+              <a:t>To make it easier, we designed the map using an image file and the game would load in the image file and place certain objects in accordance to the pixel color. </a:t>
+            </a:r>
+          </a:p>
+          <a:p>
+            <a:pPr lvl="1"/>
+            <a:r>
+              <a:rPr lang="en-US" dirty="0"/>
+              <a:t>Red would mean place a block (wall) at the pixel’s location</a:t>
+            </a:r>
+          </a:p>
+          <a:p>
+            <a:pPr lvl="1"/>
+            <a:r>
+              <a:rPr lang="en-US" dirty="0"/>
+              <a:t>Blue would mean place the player at the pixel’s location</a:t>
+            </a:r>
+          </a:p>
+          <a:p>
+            <a:pPr lvl="1"/>
+            <a:r>
+              <a:rPr lang="en-US" dirty="0"/>
+              <a:t>Green would mean place a zombie at the pixel’s location</a:t>
+            </a:r>
           </a:p>
         </p:txBody>
       </p:sp>
     </p:spTree>
+    <p:extLst>
+      <p:ext uri="{BB962C8B-B14F-4D97-AF65-F5344CB8AC3E}">
+        <p14:creationId xmlns:p14="http://schemas.microsoft.com/office/powerpoint/2010/main" val="1612287281"/>
+      </p:ext>
+    </p:extLst>
   </p:cSld>
   <p:clrMapOvr>
     <a:masterClrMapping/>
@@ -9123,7 +9444,7 @@
   <p:cSld>
     <p:spTree>
       <p:nvGrpSpPr>
-        <p:cNvPr id="1" name="Shape 120"/>
+        <p:cNvPr id="1" name=""/>
         <p:cNvGrpSpPr/>
         <p:nvPr/>
       </p:nvGrpSpPr>
@@ -9137,85 +9458,68 @@
       </p:grpSpPr>
       <p:sp>
         <p:nvSpPr>
-          <p:cNvPr id="121" name="Google Shape;121;p19"/>
-          <p:cNvSpPr txBox="1">
+          <p:cNvPr id="2" name="Title 1">
+            <a:extLst>
+              <a:ext uri="{FF2B5EF4-FFF2-40B4-BE49-F238E27FC236}">
+                <a16:creationId xmlns:a16="http://schemas.microsoft.com/office/drawing/2014/main" id="{943B15E4-991A-49E2-86A2-D3A92C7C0544}"/>
+              </a:ext>
+            </a:extLst>
+          </p:cNvPr>
+          <p:cNvSpPr>
             <a:spLocks noGrp="1"/>
           </p:cNvSpPr>
           <p:nvPr>
             <p:ph type="title"/>
           </p:nvPr>
         </p:nvSpPr>
+        <p:spPr/>
+        <p:txBody>
+          <a:bodyPr/>
+          <a:lstStyle/>
+          <a:p>
+            <a:r>
+              <a:rPr lang="en-US" dirty="0"/>
+              <a:t>The Map</a:t>
+            </a:r>
+          </a:p>
+        </p:txBody>
+      </p:sp>
+      <p:pic>
+        <p:nvPicPr>
+          <p:cNvPr id="5" name="Picture 4" descr="A picture containing gallery, room, scene&#10;&#10;Description automatically generated">
+            <a:extLst>
+              <a:ext uri="{FF2B5EF4-FFF2-40B4-BE49-F238E27FC236}">
+                <a16:creationId xmlns:a16="http://schemas.microsoft.com/office/drawing/2014/main" id="{F551CCBF-3C4A-48A1-B7AC-4BE868825F28}"/>
+              </a:ext>
+            </a:extLst>
+          </p:cNvPr>
+          <p:cNvPicPr>
+            <a:picLocks noChangeAspect="1"/>
+          </p:cNvPicPr>
+          <p:nvPr/>
+        </p:nvPicPr>
+        <p:blipFill>
+          <a:blip r:embed="rId2"/>
+          <a:stretch>
+            <a:fillRect/>
+          </a:stretch>
+        </p:blipFill>
         <p:spPr>
           <a:xfrm>
-            <a:off x="311700" y="410000"/>
-            <a:ext cx="8520600" cy="607800"/>
+            <a:off x="2156908" y="1017800"/>
+            <a:ext cx="3765719" cy="3765719"/>
           </a:xfrm>
           <a:prstGeom prst="rect">
             <a:avLst/>
           </a:prstGeom>
         </p:spPr>
-        <p:txBody>
-          <a:bodyPr spcFirstLastPara="1" wrap="square" lIns="91425" tIns="91425" rIns="91425" bIns="91425" anchor="t" anchorCtr="0">
-            <a:noAutofit/>
-          </a:bodyPr>
-          <a:lstStyle/>
-          <a:p>
-            <a:pPr marL="0" lvl="0" indent="0" algn="l" rtl="0">
-              <a:spcBef>
-                <a:spcPts val="0"/>
-              </a:spcBef>
-              <a:spcAft>
-                <a:spcPts val="0"/>
-              </a:spcAft>
-              <a:buNone/>
-            </a:pPr>
-            <a:r>
-              <a:rPr lang="en"/>
-              <a:t>Sequence Diagram</a:t>
-            </a:r>
-            <a:endParaRPr/>
-          </a:p>
-        </p:txBody>
-      </p:sp>
-      <p:sp>
-        <p:nvSpPr>
-          <p:cNvPr id="122" name="Google Shape;122;p19"/>
-          <p:cNvSpPr txBox="1">
-            <a:spLocks noGrp="1"/>
-          </p:cNvSpPr>
-          <p:nvPr>
-            <p:ph type="body" idx="1"/>
-          </p:nvPr>
-        </p:nvSpPr>
-        <p:spPr>
-          <a:xfrm>
-            <a:off x="311700" y="1229875"/>
-            <a:ext cx="8520600" cy="3339000"/>
-          </a:xfrm>
-          <a:prstGeom prst="rect">
-            <a:avLst/>
-          </a:prstGeom>
-        </p:spPr>
-        <p:txBody>
-          <a:bodyPr spcFirstLastPara="1" wrap="square" lIns="91425" tIns="91425" rIns="91425" bIns="91425" anchor="t" anchorCtr="0">
-            <a:noAutofit/>
-          </a:bodyPr>
-          <a:lstStyle/>
-          <a:p>
-            <a:pPr marL="0" lvl="0" indent="0" algn="l" rtl="0">
-              <a:spcBef>
-                <a:spcPts val="0"/>
-              </a:spcBef>
-              <a:spcAft>
-                <a:spcPts val="1600"/>
-              </a:spcAft>
-              <a:buNone/>
-            </a:pPr>
-            <a:endParaRPr/>
-          </a:p>
-        </p:txBody>
-      </p:sp>
+      </p:pic>
     </p:spTree>
+    <p:extLst>
+      <p:ext uri="{BB962C8B-B14F-4D97-AF65-F5344CB8AC3E}">
+        <p14:creationId xmlns:p14="http://schemas.microsoft.com/office/powerpoint/2010/main" val="3307337747"/>
+      </p:ext>
+    </p:extLst>
   </p:cSld>
   <p:clrMapOvr>
     <a:masterClrMapping/>
@@ -9228,7 +9532,7 @@
   <p:cSld>
     <p:spTree>
       <p:nvGrpSpPr>
-        <p:cNvPr id="1" name="Shape 126"/>
+        <p:cNvPr id="1" name=""/>
         <p:cNvGrpSpPr/>
         <p:nvPr/>
       </p:nvGrpSpPr>
@@ -9242,115 +9546,100 @@
       </p:grpSpPr>
       <p:sp>
         <p:nvSpPr>
-          <p:cNvPr id="127" name="Google Shape;127;p20"/>
-          <p:cNvSpPr txBox="1">
+          <p:cNvPr id="2" name="Title 1">
+            <a:extLst>
+              <a:ext uri="{FF2B5EF4-FFF2-40B4-BE49-F238E27FC236}">
+                <a16:creationId xmlns:a16="http://schemas.microsoft.com/office/drawing/2014/main" id="{11EAA83A-AEDE-4409-A05B-F3B31B1B8A79}"/>
+              </a:ext>
+            </a:extLst>
+          </p:cNvPr>
+          <p:cNvSpPr>
             <a:spLocks noGrp="1"/>
           </p:cNvSpPr>
           <p:nvPr>
             <p:ph type="title"/>
           </p:nvPr>
         </p:nvSpPr>
-        <p:spPr>
-          <a:xfrm>
-            <a:off x="311700" y="410000"/>
-            <a:ext cx="8520600" cy="607800"/>
-          </a:xfrm>
-          <a:prstGeom prst="rect">
-            <a:avLst/>
-          </a:prstGeom>
-        </p:spPr>
+        <p:spPr/>
         <p:txBody>
-          <a:bodyPr spcFirstLastPara="1" wrap="square" lIns="91425" tIns="91425" rIns="91425" bIns="91425" anchor="t" anchorCtr="0">
-            <a:noAutofit/>
-          </a:bodyPr>
+          <a:bodyPr/>
           <a:lstStyle/>
           <a:p>
-            <a:pPr marL="0" lvl="0" indent="0" algn="l" rtl="0">
-              <a:spcBef>
-                <a:spcPts val="0"/>
-              </a:spcBef>
-              <a:spcAft>
-                <a:spcPts val="0"/>
-              </a:spcAft>
-              <a:buNone/>
-            </a:pPr>
             <a:r>
-              <a:rPr lang="en"/>
-              <a:t>Testing</a:t>
+              <a:rPr lang="en-US" dirty="0"/>
+              <a:t>Stage III: Implementing More Features </a:t>
             </a:r>
-            <a:endParaRPr/>
           </a:p>
         </p:txBody>
       </p:sp>
       <p:sp>
         <p:nvSpPr>
-          <p:cNvPr id="128" name="Google Shape;128;p20"/>
-          <p:cNvSpPr txBox="1">
+          <p:cNvPr id="3" name="Text Placeholder 2">
+            <a:extLst>
+              <a:ext uri="{FF2B5EF4-FFF2-40B4-BE49-F238E27FC236}">
+                <a16:creationId xmlns:a16="http://schemas.microsoft.com/office/drawing/2014/main" id="{B682553B-F101-452B-97B1-C1EE33B0D94C}"/>
+              </a:ext>
+            </a:extLst>
+          </p:cNvPr>
+          <p:cNvSpPr>
             <a:spLocks noGrp="1"/>
           </p:cNvSpPr>
           <p:nvPr>
             <p:ph type="body" idx="1"/>
           </p:nvPr>
         </p:nvSpPr>
-        <p:spPr>
-          <a:xfrm>
-            <a:off x="311700" y="1229875"/>
-            <a:ext cx="8520600" cy="3339000"/>
-          </a:xfrm>
-          <a:prstGeom prst="rect">
-            <a:avLst/>
-          </a:prstGeom>
-        </p:spPr>
+        <p:spPr/>
         <p:txBody>
-          <a:bodyPr spcFirstLastPara="1" wrap="square" lIns="91425" tIns="91425" rIns="91425" bIns="91425" anchor="t" anchorCtr="0">
-            <a:noAutofit/>
-          </a:bodyPr>
+          <a:bodyPr/>
           <a:lstStyle/>
           <a:p>
-            <a:pPr marL="285750" indent="-285750">
-              <a:spcAft>
-                <a:spcPts val="1600"/>
-              </a:spcAft>
-            </a:pPr>
             <a:r>
               <a:rPr lang="en-US" dirty="0"/>
-              <a:t>Unit Testing</a:t>
+              <a:t>By Stage II, we had a solid framework for our game</a:t>
             </a:r>
           </a:p>
           <a:p>
-            <a:pPr marL="742950" lvl="1" indent="-285750">
-              <a:spcAft>
-                <a:spcPts val="1600"/>
-              </a:spcAft>
-            </a:pPr>
-            <a:endParaRPr lang="en-US" dirty="0"/>
-          </a:p>
-          <a:p>
-            <a:pPr marL="285750" indent="-285750">
-              <a:spcAft>
-                <a:spcPts val="1600"/>
-              </a:spcAft>
-            </a:pPr>
             <a:r>
               <a:rPr lang="en-US" dirty="0"/>
-              <a:t>Integration Testing</a:t>
+              <a:t>We continued to polish up our game by:</a:t>
             </a:r>
           </a:p>
           <a:p>
-            <a:pPr marL="285750" indent="-285750">
-              <a:spcAft>
-                <a:spcPts val="1600"/>
-              </a:spcAft>
-            </a:pPr>
+            <a:pPr lvl="1"/>
             <a:r>
               <a:rPr lang="en-US" dirty="0"/>
-              <a:t>Acceptance Testing</a:t>
+              <a:t>Adding more to our map</a:t>
             </a:r>
-            <a:endParaRPr dirty="0"/>
+          </a:p>
+          <a:p>
+            <a:pPr lvl="1"/>
+            <a:r>
+              <a:rPr lang="en-US" dirty="0"/>
+              <a:t>Designing a character model for our player and zombies</a:t>
+            </a:r>
+          </a:p>
+          <a:p>
+            <a:pPr lvl="1"/>
+            <a:r>
+              <a:rPr lang="en-US" dirty="0"/>
+              <a:t>Moving the player with the WASD keys</a:t>
+            </a:r>
+          </a:p>
+          <a:p>
+            <a:pPr lvl="1"/>
+            <a:r>
+              <a:rPr lang="en-US" dirty="0"/>
+              <a:t>Create the audio player for the game’s soundtrack and gunshots</a:t>
+            </a:r>
           </a:p>
         </p:txBody>
       </p:sp>
     </p:spTree>
+    <p:extLst>
+      <p:ext uri="{BB962C8B-B14F-4D97-AF65-F5344CB8AC3E}">
+        <p14:creationId xmlns:p14="http://schemas.microsoft.com/office/powerpoint/2010/main" val="2800229811"/>
+      </p:ext>
+    </p:extLst>
   </p:cSld>
   <p:clrMapOvr>
     <a:masterClrMapping/>
@@ -9380,7 +9669,7 @@
           <p:cNvPr id="2" name="Title 1">
             <a:extLst>
               <a:ext uri="{FF2B5EF4-FFF2-40B4-BE49-F238E27FC236}">
-                <a16:creationId xmlns:a16="http://schemas.microsoft.com/office/drawing/2014/main" id="{68188EE9-84B8-409D-B685-50EB6219BC70}"/>
+                <a16:creationId xmlns:a16="http://schemas.microsoft.com/office/drawing/2014/main" id="{370BC263-3796-45D8-8A92-8D39190827E6}"/>
               </a:ext>
             </a:extLst>
           </p:cNvPr>
@@ -9398,7 +9687,7 @@
           <a:p>
             <a:r>
               <a:rPr lang="en-US" dirty="0"/>
-              <a:t>What We Could Have Done</a:t>
+              <a:t>Stage IV: Final Features and Optimization</a:t>
             </a:r>
           </a:p>
         </p:txBody>
@@ -9408,7 +9697,7 @@
           <p:cNvPr id="3" name="Text Placeholder 2">
             <a:extLst>
               <a:ext uri="{FF2B5EF4-FFF2-40B4-BE49-F238E27FC236}">
-                <a16:creationId xmlns:a16="http://schemas.microsoft.com/office/drawing/2014/main" id="{E6EABC55-E776-44D9-B9FA-B5566468E6FB}"/>
+                <a16:creationId xmlns:a16="http://schemas.microsoft.com/office/drawing/2014/main" id="{9CA2A510-0E1B-41E2-BB75-F5E432D72AE3}"/>
               </a:ext>
             </a:extLst>
           </p:cNvPr>
@@ -9424,14 +9713,51 @@
           <a:bodyPr/>
           <a:lstStyle/>
           <a:p>
-            <a:endParaRPr lang="en-US"/>
+            <a:r>
+              <a:rPr lang="en-US" dirty="0"/>
+              <a:t>After Stage III, we were almost finished with our game</a:t>
+            </a:r>
+          </a:p>
+          <a:p>
+            <a:r>
+              <a:rPr lang="en-US" dirty="0"/>
+              <a:t>All we had left was to:</a:t>
+            </a:r>
+          </a:p>
+          <a:p>
+            <a:pPr lvl="1"/>
+            <a:r>
+              <a:rPr lang="en-US" dirty="0"/>
+              <a:t>Add a health attribute to our player and zombie objects</a:t>
+            </a:r>
+          </a:p>
+          <a:p>
+            <a:pPr lvl="1"/>
+            <a:r>
+              <a:rPr lang="en-US" dirty="0"/>
+              <a:t>Design the zombies to hunt for the player</a:t>
+            </a:r>
+          </a:p>
+          <a:p>
+            <a:pPr lvl="1"/>
+            <a:r>
+              <a:rPr lang="en-US" dirty="0"/>
+              <a:t>Pause the game whenever the user presses the pause key</a:t>
+            </a:r>
+          </a:p>
+          <a:p>
+            <a:pPr lvl="1"/>
+            <a:r>
+              <a:rPr lang="en-US" dirty="0"/>
+              <a:t>Add a “Game Over” screen whenever the player’s health runs out </a:t>
+            </a:r>
           </a:p>
         </p:txBody>
       </p:sp>
     </p:spTree>
     <p:extLst>
       <p:ext uri="{BB962C8B-B14F-4D97-AF65-F5344CB8AC3E}">
-        <p14:creationId xmlns:p14="http://schemas.microsoft.com/office/powerpoint/2010/main" val="3438948985"/>
+        <p14:creationId xmlns:p14="http://schemas.microsoft.com/office/powerpoint/2010/main" val="2135352260"/>
       </p:ext>
     </p:extLst>
   </p:cSld>

--- a/Zombie Shooter Game.pptx
+++ b/Zombie Shooter Game.pptx
@@ -18,18 +18,25 @@
     <p:sldId id="266" r:id="rId9"/>
     <p:sldId id="267" r:id="rId10"/>
     <p:sldId id="268" r:id="rId11"/>
-    <p:sldId id="260" r:id="rId12"/>
-    <p:sldId id="263" r:id="rId13"/>
+    <p:sldId id="270" r:id="rId12"/>
+    <p:sldId id="260" r:id="rId13"/>
   </p:sldIdLst>
   <p:sldSz cx="9144000" cy="5143500" type="screen16x9"/>
   <p:notesSz cx="6858000" cy="9144000"/>
   <p:embeddedFontLst>
     <p:embeddedFont>
-      <p:font typeface="Roboto" panose="020B0604020202020204" charset="0"/>
+      <p:font typeface="Comic Sans MS" panose="030F0702030302020204" pitchFamily="66" charset="0"/>
       <p:regular r:id="rId15"/>
       <p:bold r:id="rId16"/>
       <p:italic r:id="rId17"/>
       <p:boldItalic r:id="rId18"/>
+    </p:embeddedFont>
+    <p:embeddedFont>
+      <p:font typeface="Roboto" panose="020B0604020202020204" charset="0"/>
+      <p:regular r:id="rId19"/>
+      <p:bold r:id="rId20"/>
+      <p:italic r:id="rId21"/>
+      <p:boldItalic r:id="rId22"/>
     </p:embeddedFont>
   </p:embeddedFontLst>
   <p:defaultTextStyle>
@@ -1166,7 +1173,7 @@
         </p:nvSpPr>
         <p:spPr>
           <a:xfrm>
-            <a:off x="381300" y="685800"/>
+            <a:off x="381000" y="685800"/>
             <a:ext cx="6096000" cy="3429000"/>
           </a:xfrm>
           <a:custGeom>
@@ -1198,110 +1205,6 @@
       <p:sp>
         <p:nvSpPr>
           <p:cNvPr id="107" name="Google Shape;107;g6b7d7d857e_0_261:notes"/>
-          <p:cNvSpPr txBox="1">
-            <a:spLocks noGrp="1"/>
-          </p:cNvSpPr>
-          <p:nvPr>
-            <p:ph type="body" idx="1"/>
-          </p:nvPr>
-        </p:nvSpPr>
-        <p:spPr>
-          <a:xfrm>
-            <a:off x="685800" y="4343400"/>
-            <a:ext cx="5486400" cy="4114800"/>
-          </a:xfrm>
-          <a:prstGeom prst="rect">
-            <a:avLst/>
-          </a:prstGeom>
-        </p:spPr>
-        <p:txBody>
-          <a:bodyPr spcFirstLastPara="1" wrap="square" lIns="91425" tIns="91425" rIns="91425" bIns="91425" anchor="t" anchorCtr="0">
-            <a:noAutofit/>
-          </a:bodyPr>
-          <a:lstStyle/>
-          <a:p>
-            <a:pPr marL="0" lvl="0" indent="0" algn="l" rtl="0">
-              <a:spcBef>
-                <a:spcPts val="0"/>
-              </a:spcBef>
-              <a:spcAft>
-                <a:spcPts val="0"/>
-              </a:spcAft>
-              <a:buNone/>
-            </a:pPr>
-            <a:endParaRPr/>
-          </a:p>
-        </p:txBody>
-      </p:sp>
-    </p:spTree>
-  </p:cSld>
-  <p:clrMapOvr>
-    <a:masterClrMapping/>
-  </p:clrMapOvr>
-</p:notes>
-</file>
-
-<file path=ppt/notesSlides/notesSlide6.xml><?xml version="1.0" encoding="utf-8"?>
-<p:notes xmlns:a="http://schemas.openxmlformats.org/drawingml/2006/main" xmlns:r="http://schemas.openxmlformats.org/officeDocument/2006/relationships" xmlns:p="http://schemas.openxmlformats.org/presentationml/2006/main" showMasterSp="0" showMasterPhAnim="0">
-  <p:cSld>
-    <p:spTree>
-      <p:nvGrpSpPr>
-        <p:cNvPr id="1" name="Shape 123"/>
-        <p:cNvGrpSpPr/>
-        <p:nvPr/>
-      </p:nvGrpSpPr>
-      <p:grpSpPr>
-        <a:xfrm>
-          <a:off x="0" y="0"/>
-          <a:ext cx="0" cy="0"/>
-          <a:chOff x="0" y="0"/>
-          <a:chExt cx="0" cy="0"/>
-        </a:xfrm>
-      </p:grpSpPr>
-      <p:sp>
-        <p:nvSpPr>
-          <p:cNvPr id="124" name="Google Shape;124;g6b7d7d857e_0_281:notes"/>
-          <p:cNvSpPr>
-            <a:spLocks noGrp="1" noRot="1" noChangeAspect="1"/>
-          </p:cNvSpPr>
-          <p:nvPr>
-            <p:ph type="sldImg" idx="2"/>
-          </p:nvPr>
-        </p:nvSpPr>
-        <p:spPr>
-          <a:xfrm>
-            <a:off x="381000" y="685800"/>
-            <a:ext cx="6096000" cy="3429000"/>
-          </a:xfrm>
-          <a:custGeom>
-            <a:avLst/>
-            <a:gdLst/>
-            <a:ahLst/>
-            <a:cxnLst/>
-            <a:rect l="l" t="t" r="r" b="b"/>
-            <a:pathLst>
-              <a:path w="120000" h="120000" extrusionOk="0">
-                <a:moveTo>
-                  <a:pt x="0" y="0"/>
-                </a:moveTo>
-                <a:lnTo>
-                  <a:pt x="120000" y="0"/>
-                </a:lnTo>
-                <a:lnTo>
-                  <a:pt x="120000" y="120000"/>
-                </a:lnTo>
-                <a:lnTo>
-                  <a:pt x="0" y="120000"/>
-                </a:lnTo>
-                <a:close/>
-              </a:path>
-            </a:pathLst>
-          </a:custGeom>
-        </p:spPr>
-      </p:sp>
-      <p:sp>
-        <p:nvSpPr>
-          <p:cNvPr id="125" name="Google Shape;125;g6b7d7d857e_0_281:notes"/>
           <p:cNvSpPr txBox="1">
             <a:spLocks noGrp="1"/>
           </p:cNvSpPr>
@@ -7991,6 +7894,36 @@
           <a:chExt cx="0" cy="0"/>
         </a:xfrm>
       </p:grpSpPr>
+      <p:pic>
+        <p:nvPicPr>
+          <p:cNvPr id="3" name="Picture 2" descr="A picture containing red, photo, stop, food&#10;&#10;Description automatically generated">
+            <a:extLst>
+              <a:ext uri="{FF2B5EF4-FFF2-40B4-BE49-F238E27FC236}">
+                <a16:creationId xmlns:a16="http://schemas.microsoft.com/office/drawing/2014/main" id="{4506FE4F-3A6A-4235-86BD-DECC78FDBCEF}"/>
+              </a:ext>
+            </a:extLst>
+          </p:cNvPr>
+          <p:cNvPicPr>
+            <a:picLocks noChangeAspect="1"/>
+          </p:cNvPicPr>
+          <p:nvPr/>
+        </p:nvPicPr>
+        <p:blipFill>
+          <a:blip r:embed="rId3"/>
+          <a:stretch>
+            <a:fillRect/>
+          </a:stretch>
+        </p:blipFill>
+        <p:spPr>
+          <a:xfrm rot="17936332">
+            <a:off x="6970864" y="1552774"/>
+            <a:ext cx="2447333" cy="1806365"/>
+          </a:xfrm>
+          <a:prstGeom prst="rect">
+            <a:avLst/>
+          </a:prstGeom>
+        </p:spPr>
+      </p:pic>
       <p:sp>
         <p:nvSpPr>
           <p:cNvPr id="85" name="Google Shape;85;p13"/>
@@ -8003,7 +7936,7 @@
         </p:nvSpPr>
         <p:spPr>
           <a:xfrm>
-            <a:off x="234892" y="1775222"/>
+            <a:off x="416484" y="1775221"/>
             <a:ext cx="8585308" cy="838800"/>
           </a:xfrm>
           <a:prstGeom prst="rect">
@@ -8026,10 +7959,14 @@
               <a:buNone/>
             </a:pPr>
             <a:r>
-              <a:rPr lang="en-US" sz="3600" dirty="0"/>
-              <a:t>Miami Beach Zombie Apocalypse Game</a:t>
+              <a:rPr lang="en-US" sz="3600" dirty="0">
+                <a:latin typeface="Comic Sans MS" panose="030F0702030302020204" pitchFamily="66" charset="0"/>
+              </a:rPr>
+              <a:t>Miami Beach Zombie Apocalypse</a:t>
             </a:r>
-            <a:endParaRPr sz="3600" dirty="0"/>
+            <a:endParaRPr sz="3600" dirty="0">
+              <a:latin typeface="Comic Sans MS" panose="030F0702030302020204" pitchFamily="66" charset="0"/>
+            </a:endParaRPr>
           </a:p>
         </p:txBody>
       </p:sp>
@@ -8068,10 +8005,14 @@
               <a:buNone/>
             </a:pPr>
             <a:r>
-              <a:rPr lang="en" sz="1800" dirty="0"/>
+              <a:rPr lang="en" sz="1800" dirty="0">
+                <a:latin typeface="Comic Sans MS" panose="030F0702030302020204" pitchFamily="66" charset="0"/>
+              </a:rPr>
               <a:t>By Dishoungh White, Valdimar Sigurdsson, Alaina Edwards, and Gavin Glenn</a:t>
             </a:r>
-            <a:endParaRPr sz="1800" dirty="0"/>
+            <a:endParaRPr sz="1800" dirty="0">
+              <a:latin typeface="Comic Sans MS" panose="030F0702030302020204" pitchFamily="66" charset="0"/>
+            </a:endParaRPr>
           </a:p>
         </p:txBody>
       </p:sp>
@@ -8157,8 +8098,40 @@
           <a:p>
             <a:r>
               <a:rPr lang="en-US" dirty="0"/>
-              <a:t>Bugs Found</a:t>
+              <a:t>Bugs Found: </a:t>
             </a:r>
+          </a:p>
+          <a:p>
+            <a:pPr lvl="1"/>
+            <a:r>
+              <a:rPr lang="en-US" dirty="0"/>
+              <a:t>Zombies don’t rotate when moving </a:t>
+            </a:r>
+          </a:p>
+          <a:p>
+            <a:pPr lvl="1"/>
+            <a:r>
+              <a:rPr lang="en-US" dirty="0"/>
+              <a:t>Zombies all move in a line</a:t>
+            </a:r>
+          </a:p>
+          <a:p>
+            <a:pPr lvl="1"/>
+            <a:r>
+              <a:rPr lang="en-US" dirty="0"/>
+              <a:t>Player’s health doesn’t decrement as long as player is standing still</a:t>
+            </a:r>
+          </a:p>
+          <a:p>
+            <a:pPr lvl="1"/>
+            <a:r>
+              <a:rPr lang="en-US" dirty="0"/>
+              <a:t>Bullet doesn’t come out from gun all the time</a:t>
+            </a:r>
+          </a:p>
+          <a:p>
+            <a:pPr lvl="1"/>
+            <a:endParaRPr lang="en-US" dirty="0"/>
           </a:p>
           <a:p>
             <a:pPr lvl="1"/>
@@ -8180,6 +8153,148 @@
 </file>
 
 <file path=ppt/slides/slide11.xml><?xml version="1.0" encoding="utf-8"?>
+<p:sld xmlns:a="http://schemas.openxmlformats.org/drawingml/2006/main" xmlns:r="http://schemas.openxmlformats.org/officeDocument/2006/relationships" xmlns:p="http://schemas.openxmlformats.org/presentationml/2006/main">
+  <p:cSld>
+    <p:spTree>
+      <p:nvGrpSpPr>
+        <p:cNvPr id="1" name=""/>
+        <p:cNvGrpSpPr/>
+        <p:nvPr/>
+      </p:nvGrpSpPr>
+      <p:grpSpPr>
+        <a:xfrm>
+          <a:off x="0" y="0"/>
+          <a:ext cx="0" cy="0"/>
+          <a:chOff x="0" y="0"/>
+          <a:chExt cx="0" cy="0"/>
+        </a:xfrm>
+      </p:grpSpPr>
+      <p:sp>
+        <p:nvSpPr>
+          <p:cNvPr id="2" name="Title 1">
+            <a:extLst>
+              <a:ext uri="{FF2B5EF4-FFF2-40B4-BE49-F238E27FC236}">
+                <a16:creationId xmlns:a16="http://schemas.microsoft.com/office/drawing/2014/main" id="{E130E2F4-7B11-46C9-8696-1C33A0F2958D}"/>
+              </a:ext>
+            </a:extLst>
+          </p:cNvPr>
+          <p:cNvSpPr>
+            <a:spLocks noGrp="1"/>
+          </p:cNvSpPr>
+          <p:nvPr>
+            <p:ph type="title"/>
+          </p:nvPr>
+        </p:nvSpPr>
+        <p:spPr/>
+        <p:txBody>
+          <a:bodyPr/>
+          <a:lstStyle/>
+          <a:p>
+            <a:r>
+              <a:rPr lang="en-US" dirty="0"/>
+              <a:t>Stage V: Testing (Cont.)</a:t>
+            </a:r>
+          </a:p>
+        </p:txBody>
+      </p:sp>
+      <p:sp>
+        <p:nvSpPr>
+          <p:cNvPr id="3" name="Text Placeholder 2">
+            <a:extLst>
+              <a:ext uri="{FF2B5EF4-FFF2-40B4-BE49-F238E27FC236}">
+                <a16:creationId xmlns:a16="http://schemas.microsoft.com/office/drawing/2014/main" id="{EEE37B9F-66E7-4EBD-BA5C-C67302C8BC68}"/>
+              </a:ext>
+            </a:extLst>
+          </p:cNvPr>
+          <p:cNvSpPr>
+            <a:spLocks noGrp="1"/>
+          </p:cNvSpPr>
+          <p:nvPr>
+            <p:ph type="body" idx="1"/>
+          </p:nvPr>
+        </p:nvSpPr>
+        <p:spPr>
+          <a:xfrm>
+            <a:off x="311700" y="1017800"/>
+            <a:ext cx="8520600" cy="3339000"/>
+          </a:xfrm>
+        </p:spPr>
+        <p:txBody>
+          <a:bodyPr/>
+          <a:lstStyle/>
+          <a:p>
+            <a:pPr marL="114300" indent="0">
+              <a:buNone/>
+            </a:pPr>
+            <a:endParaRPr lang="en-US" dirty="0"/>
+          </a:p>
+          <a:p>
+            <a:r>
+              <a:rPr lang="en-US" dirty="0"/>
+              <a:t>White Box Testing</a:t>
+            </a:r>
+          </a:p>
+          <a:p>
+            <a:pPr lvl="1"/>
+            <a:r>
+              <a:rPr lang="en-US" dirty="0"/>
+              <a:t>To make sure our designs worked, we looked at our code and tested our individual parts and made sure it behaved and functioned as intended</a:t>
+            </a:r>
+          </a:p>
+          <a:p>
+            <a:r>
+              <a:rPr lang="en-US" dirty="0" err="1"/>
+              <a:t>Regressional</a:t>
+            </a:r>
+            <a:r>
+              <a:rPr lang="en-US" dirty="0"/>
+              <a:t> Testing</a:t>
+            </a:r>
+          </a:p>
+          <a:p>
+            <a:pPr lvl="1"/>
+            <a:r>
+              <a:rPr lang="en-US" dirty="0"/>
+              <a:t>After every stage of development, we would merge our parts into the master branch in </a:t>
+            </a:r>
+            <a:r>
+              <a:rPr lang="en-US" dirty="0" err="1"/>
+              <a:t>Github</a:t>
+            </a:r>
+            <a:r>
+              <a:rPr lang="en-US" dirty="0"/>
+              <a:t> and tested the merged version to minimize additional bugs into our game</a:t>
+            </a:r>
+          </a:p>
+          <a:p>
+            <a:r>
+              <a:rPr lang="en-US" dirty="0"/>
+              <a:t>Performance Testing</a:t>
+            </a:r>
+          </a:p>
+          <a:p>
+            <a:pPr lvl="1"/>
+            <a:r>
+              <a:rPr lang="en-US" dirty="0"/>
+              <a:t>We tested our game to ensure the game would be thread-safe and our game would maintain a stable framerate in our test environment</a:t>
+            </a:r>
+          </a:p>
+        </p:txBody>
+      </p:sp>
+    </p:spTree>
+    <p:extLst>
+      <p:ext uri="{BB962C8B-B14F-4D97-AF65-F5344CB8AC3E}">
+        <p14:creationId xmlns:p14="http://schemas.microsoft.com/office/powerpoint/2010/main" val="1229897657"/>
+      </p:ext>
+    </p:extLst>
+  </p:cSld>
+  <p:clrMapOvr>
+    <a:masterClrMapping/>
+  </p:clrMapOvr>
+</p:sld>
+</file>
+
+<file path=ppt/slides/slide12.xml><?xml version="1.0" encoding="utf-8"?>
 <p:sld xmlns:a="http://schemas.openxmlformats.org/drawingml/2006/main" xmlns:r="http://schemas.openxmlformats.org/officeDocument/2006/relationships" xmlns:p="http://schemas.openxmlformats.org/presentationml/2006/main">
   <p:cSld>
     <p:spTree>
@@ -8288,7 +8403,10 @@
               </a:spcAft>
               <a:buNone/>
             </a:pPr>
-            <a:endParaRPr dirty="0"/>
+            <a:r>
+              <a:rPr lang="en" dirty="0"/>
+              <a:t>Map Creation: Tiled</a:t>
+            </a:r>
           </a:p>
           <a:p>
             <a:pPr marL="0" lvl="0" indent="0" algn="l" rtl="0">
@@ -8302,20 +8420,8 @@
             </a:pPr>
             <a:r>
               <a:rPr lang="en" dirty="0"/>
-              <a:t>Map Creation: Paint.net</a:t>
+              <a:t>IDE: Eclipse</a:t>
             </a:r>
-            <a:endParaRPr dirty="0"/>
-          </a:p>
-          <a:p>
-            <a:pPr marL="0" lvl="0" indent="0" algn="l" rtl="0">
-              <a:spcBef>
-                <a:spcPts val="1600"/>
-              </a:spcBef>
-              <a:spcAft>
-                <a:spcPts val="0"/>
-              </a:spcAft>
-              <a:buNone/>
-            </a:pPr>
             <a:endParaRPr dirty="0"/>
           </a:p>
           <a:p>
@@ -8330,142 +8436,26 @@
             </a:pPr>
             <a:r>
               <a:rPr lang="en" dirty="0"/>
-              <a:t>Version Control: Github</a:t>
+              <a:t>Version Control: Git</a:t>
             </a:r>
-            <a:endParaRPr dirty="0"/>
-          </a:p>
-        </p:txBody>
-      </p:sp>
-    </p:spTree>
-  </p:cSld>
-  <p:clrMapOvr>
-    <a:masterClrMapping/>
-  </p:clrMapOvr>
-</p:sld>
-</file>
-
-<file path=ppt/slides/slide12.xml><?xml version="1.0" encoding="utf-8"?>
-<p:sld xmlns:a="http://schemas.openxmlformats.org/drawingml/2006/main" xmlns:r="http://schemas.openxmlformats.org/officeDocument/2006/relationships" xmlns:p="http://schemas.openxmlformats.org/presentationml/2006/main">
-  <p:cSld>
-    <p:spTree>
-      <p:nvGrpSpPr>
-        <p:cNvPr id="1" name="Shape 126"/>
-        <p:cNvGrpSpPr/>
-        <p:nvPr/>
-      </p:nvGrpSpPr>
-      <p:grpSpPr>
-        <a:xfrm>
-          <a:off x="0" y="0"/>
-          <a:ext cx="0" cy="0"/>
-          <a:chOff x="0" y="0"/>
-          <a:chExt cx="0" cy="0"/>
-        </a:xfrm>
-      </p:grpSpPr>
-      <p:sp>
-        <p:nvSpPr>
-          <p:cNvPr id="127" name="Google Shape;127;p20"/>
-          <p:cNvSpPr txBox="1">
-            <a:spLocks noGrp="1"/>
-          </p:cNvSpPr>
-          <p:nvPr>
-            <p:ph type="title"/>
-          </p:nvPr>
-        </p:nvSpPr>
-        <p:spPr>
-          <a:xfrm>
-            <a:off x="311700" y="410000"/>
-            <a:ext cx="8520600" cy="607800"/>
-          </a:xfrm>
-          <a:prstGeom prst="rect">
-            <a:avLst/>
-          </a:prstGeom>
-        </p:spPr>
-        <p:txBody>
-          <a:bodyPr spcFirstLastPara="1" wrap="square" lIns="91425" tIns="91425" rIns="91425" bIns="91425" anchor="t" anchorCtr="0">
-            <a:noAutofit/>
-          </a:bodyPr>
-          <a:lstStyle/>
+          </a:p>
           <a:p>
             <a:pPr marL="0" lvl="0" indent="0" algn="l" rtl="0">
               <a:spcBef>
-                <a:spcPts val="0"/>
-              </a:spcBef>
-              <a:spcAft>
-                <a:spcPts val="0"/>
-              </a:spcAft>
-              <a:buNone/>
-            </a:pPr>
-            <a:r>
-              <a:rPr lang="en"/>
-              <a:t>Testing</a:t>
-            </a:r>
-            <a:endParaRPr/>
-          </a:p>
-        </p:txBody>
-      </p:sp>
-      <p:sp>
-        <p:nvSpPr>
-          <p:cNvPr id="128" name="Google Shape;128;p20"/>
-          <p:cNvSpPr txBox="1">
-            <a:spLocks noGrp="1"/>
-          </p:cNvSpPr>
-          <p:nvPr>
-            <p:ph type="body" idx="1"/>
-          </p:nvPr>
-        </p:nvSpPr>
-        <p:spPr>
-          <a:xfrm>
-            <a:off x="311700" y="1229875"/>
-            <a:ext cx="8520600" cy="3339000"/>
-          </a:xfrm>
-          <a:prstGeom prst="rect">
-            <a:avLst/>
-          </a:prstGeom>
-        </p:spPr>
-        <p:txBody>
-          <a:bodyPr spcFirstLastPara="1" wrap="square" lIns="91425" tIns="91425" rIns="91425" bIns="91425" anchor="t" anchorCtr="0">
-            <a:noAutofit/>
-          </a:bodyPr>
-          <a:lstStyle/>
-          <a:p>
-            <a:pPr marL="285750" indent="-285750">
-              <a:spcAft>
                 <a:spcPts val="1600"/>
-              </a:spcAft>
+              </a:spcBef>
+              <a:spcAft>
+                <a:spcPts val="1600"/>
+              </a:spcAft>
+              <a:buNone/>
             </a:pPr>
             <a:r>
               <a:rPr lang="en-US" dirty="0"/>
-              <a:t>Unit Testing</a:t>
+              <a:t>Audio File Conversion: </a:t>
             </a:r>
-          </a:p>
-          <a:p>
-            <a:pPr marL="742950" lvl="1" indent="-285750">
-              <a:spcAft>
-                <a:spcPts val="1600"/>
-              </a:spcAft>
-            </a:pPr>
-            <a:endParaRPr lang="en-US" dirty="0"/>
-          </a:p>
-          <a:p>
-            <a:pPr marL="285750" indent="-285750">
-              <a:spcAft>
-                <a:spcPts val="1600"/>
-              </a:spcAft>
-            </a:pPr>
             <a:r>
-              <a:rPr lang="en-US" dirty="0"/>
-              <a:t>Integration Testing</a:t>
-            </a:r>
-          </a:p>
-          <a:p>
-            <a:pPr marL="285750" indent="-285750">
-              <a:spcAft>
-                <a:spcPts val="1600"/>
-              </a:spcAft>
-            </a:pPr>
-            <a:r>
-              <a:rPr lang="en-US" dirty="0"/>
-              <a:t>Acceptance Testing</a:t>
+              <a:rPr lang="en" dirty="0"/>
+              <a:t>FFMPEG</a:t>
             </a:r>
             <a:endParaRPr dirty="0"/>
           </a:p>
